--- a/document/final_project.pptx
+++ b/document/final_project.pptx
@@ -2663,7 +2663,15 @@
         <a:p>
           <a:r>
             <a:rPr lang="en-US" smtClean="0"/>
-            <a:t>Login / Registration</a:t>
+            <a:t>Login</a:t>
+          </a:r>
+          <a:r>
+            <a:rPr lang="vi-VN" smtClean="0"/>
+            <a:t>,</a:t>
+          </a:r>
+          <a:r>
+            <a:rPr lang="en-US" smtClean="0"/>
+            <a:t> Registration</a:t>
           </a:r>
           <a:endParaRPr lang="en-US"/>
         </a:p>
@@ -2691,7 +2699,7 @@
         </a:p>
       </dgm:t>
     </dgm:pt>
-    <dgm:pt modelId="{6191BC07-DD85-42A0-9DEA-61AF11E71CB6}">
+    <dgm:pt modelId="{F0975166-DD61-4646-93D8-9BF5B13F8D3F}">
       <dgm:prSet phldrT="[Text]"/>
       <dgm:spPr/>
       <dgm:t>
@@ -2700,13 +2708,21 @@
         <a:p>
           <a:r>
             <a:rPr lang="en-US" smtClean="0"/>
-            <a:t>Order, view / cancel order</a:t>
+            <a:t>Search, </a:t>
+          </a:r>
+          <a:r>
+            <a:rPr lang="vi-VN" smtClean="0"/>
+            <a:t>V</a:t>
+          </a:r>
+          <a:r>
+            <a:rPr lang="en-US" smtClean="0"/>
+            <a:t>iew product</a:t>
           </a:r>
           <a:endParaRPr lang="en-US"/>
         </a:p>
       </dgm:t>
     </dgm:pt>
-    <dgm:pt modelId="{5242D7BC-E6A9-4FD1-A747-0736CDD59FF9}" type="parTrans" cxnId="{6C2694D5-FBF2-4775-B0A5-353996E4BAE5}">
+    <dgm:pt modelId="{224F1B48-E016-4407-9E84-AB43FC824F7B}" type="parTrans" cxnId="{3758EDA4-3F6E-4235-9ADF-A80E806125AC}">
       <dgm:prSet/>
       <dgm:spPr/>
       <dgm:t>
@@ -2717,7 +2733,7 @@
         </a:p>
       </dgm:t>
     </dgm:pt>
-    <dgm:pt modelId="{0EF2F64B-6D15-4E0D-9440-0739653F956A}" type="sibTrans" cxnId="{6C2694D5-FBF2-4775-B0A5-353996E4BAE5}">
+    <dgm:pt modelId="{D0E78C1C-3290-4A86-926E-6347CD812198}" type="sibTrans" cxnId="{3758EDA4-3F6E-4235-9ADF-A80E806125AC}">
       <dgm:prSet/>
       <dgm:spPr/>
       <dgm:t>
@@ -2728,44 +2744,50 @@
         </a:p>
       </dgm:t>
     </dgm:pt>
-    <dgm:pt modelId="{F0975166-DD61-4646-93D8-9BF5B13F8D3F}">
+    <dgm:pt modelId="{93659130-C357-4D5F-B369-6CDD9E9AB97D}">
       <dgm:prSet phldrT="[Text]"/>
       <dgm:spPr/>
       <dgm:t>
         <a:bodyPr/>
         <a:lstStyle/>
         <a:p>
+          <a:r>
+            <a:rPr lang="vi-VN" smtClean="0"/>
+            <a:t>V</a:t>
+          </a:r>
           <a:r>
             <a:rPr lang="en-US" smtClean="0"/>
-            <a:t>Search, view product</a:t>
+            <a:t>iew</a:t>
+          </a:r>
+          <a:r>
+            <a:rPr lang="vi-VN" smtClean="0"/>
+            <a:t>,</a:t>
+          </a:r>
+          <a:r>
+            <a:rPr lang="en-US" smtClean="0"/>
+            <a:t> </a:t>
+          </a:r>
+          <a:r>
+            <a:rPr lang="vi-VN" smtClean="0"/>
+            <a:t>C</a:t>
+          </a:r>
+          <a:r>
+            <a:rPr lang="en-US" smtClean="0"/>
+            <a:t>ancel order</a:t>
           </a:r>
           <a:endParaRPr lang="en-US"/>
         </a:p>
       </dgm:t>
     </dgm:pt>
-    <dgm:pt modelId="{224F1B48-E016-4407-9E84-AB43FC824F7B}" type="parTrans" cxnId="{3758EDA4-3F6E-4235-9ADF-A80E806125AC}">
+    <dgm:pt modelId="{8EA24022-27A1-479C-B74A-FF9C23791693}" type="parTrans" cxnId="{0EFFE7E3-B6F3-4EE8-B2E0-2510134DE0AB}">
       <dgm:prSet/>
       <dgm:spPr/>
-      <dgm:t>
-        <a:bodyPr/>
-        <a:lstStyle/>
-        <a:p>
-          <a:endParaRPr lang="en-US"/>
-        </a:p>
-      </dgm:t>
-    </dgm:pt>
-    <dgm:pt modelId="{D0E78C1C-3290-4A86-926E-6347CD812198}" type="sibTrans" cxnId="{3758EDA4-3F6E-4235-9ADF-A80E806125AC}">
+    </dgm:pt>
+    <dgm:pt modelId="{53559F55-1DC7-429F-92A3-8604824880E8}" type="sibTrans" cxnId="{0EFFE7E3-B6F3-4EE8-B2E0-2510134DE0AB}">
       <dgm:prSet/>
       <dgm:spPr/>
-      <dgm:t>
-        <a:bodyPr/>
-        <a:lstStyle/>
-        <a:p>
-          <a:endParaRPr lang="en-US"/>
-        </a:p>
-      </dgm:t>
-    </dgm:pt>
-    <dgm:pt modelId="{7CE249B9-51DE-4EAF-A0E4-50B046A30849}">
+    </dgm:pt>
+    <dgm:pt modelId="{16C28C60-F972-4D4E-90C2-DEAB2A915701}">
       <dgm:prSet phldrT="[Text]"/>
       <dgm:spPr/>
       <dgm:t>
@@ -2773,34 +2795,43 @@
         <a:lstStyle/>
         <a:p>
           <a:r>
-            <a:rPr lang="en-US" smtClean="0"/>
-            <a:t>Payment page</a:t>
+            <a:rPr lang="vi-VN" smtClean="0"/>
+            <a:t>View product detail</a:t>
           </a:r>
           <a:endParaRPr lang="en-US"/>
         </a:p>
       </dgm:t>
     </dgm:pt>
-    <dgm:pt modelId="{05D45754-FB1E-4A26-9EB2-A7BB6CAB49B1}" type="parTrans" cxnId="{1CDF99D4-D204-46D9-9DA4-7D3914DB3E72}">
+    <dgm:pt modelId="{BC8A32E4-6B5D-4920-B61E-E9CF718C65FD}" type="parTrans" cxnId="{1DA89A9B-0705-4C6E-BD97-CA53048E7CF7}">
       <dgm:prSet/>
       <dgm:spPr/>
-      <dgm:t>
-        <a:bodyPr/>
-        <a:lstStyle/>
-        <a:p>
+    </dgm:pt>
+    <dgm:pt modelId="{D4823634-3DCA-4721-B302-C8748E3C953F}" type="sibTrans" cxnId="{1DA89A9B-0705-4C6E-BD97-CA53048E7CF7}">
+      <dgm:prSet/>
+      <dgm:spPr/>
+    </dgm:pt>
+    <dgm:pt modelId="{8E26CA4A-4875-4817-AEAB-0D0D4CC2E056}">
+      <dgm:prSet phldrT="[Text]"/>
+      <dgm:spPr/>
+      <dgm:t>
+        <a:bodyPr/>
+        <a:lstStyle/>
+        <a:p>
+          <a:r>
+            <a:rPr lang="vi-VN" smtClean="0"/>
+            <a:t>Order</a:t>
+          </a:r>
           <a:endParaRPr lang="en-US"/>
         </a:p>
       </dgm:t>
     </dgm:pt>
-    <dgm:pt modelId="{6D8D0C77-CF00-437C-A121-B067BABCA779}" type="sibTrans" cxnId="{1CDF99D4-D204-46D9-9DA4-7D3914DB3E72}">
+    <dgm:pt modelId="{6EFB9E86-ACE7-4F44-BAD5-026C3659E4D8}" type="parTrans" cxnId="{F457E914-7332-4E3E-B445-A6C41B7F3E7B}">
       <dgm:prSet/>
       <dgm:spPr/>
-      <dgm:t>
-        <a:bodyPr/>
-        <a:lstStyle/>
-        <a:p>
-          <a:endParaRPr lang="en-US"/>
-        </a:p>
-      </dgm:t>
+    </dgm:pt>
+    <dgm:pt modelId="{5B775F26-48D3-407F-B14E-88552E1DE411}" type="sibTrans" cxnId="{F457E914-7332-4E3E-B445-A6C41B7F3E7B}">
+      <dgm:prSet/>
+      <dgm:spPr/>
     </dgm:pt>
     <dgm:pt modelId="{AD2407BE-247E-47DD-A328-3C7E353C1415}" type="pres">
       <dgm:prSet presAssocID="{E02A8243-9315-404B-83BC-2ADD496085A6}" presName="linear" presStyleCnt="0">
@@ -2881,25 +2912,28 @@
     <dgm:cxn modelId="{3FE9E87F-23F7-4BF3-90A1-A99CC3C6731F}" srcId="{7EA0DDB6-E023-4897-A516-441358BF2371}" destId="{800D3C3E-D85F-41BE-A5FB-41E4574520AF}" srcOrd="5" destOrd="0" parTransId="{C80D4C89-5241-4ECF-8002-D5634EF8A014}" sibTransId="{20AE7B3E-E4FD-437D-B9C5-9B04752C9879}"/>
     <dgm:cxn modelId="{88A58812-1E5C-4808-A5C4-D417283F7411}" type="presOf" srcId="{E02A8243-9315-404B-83BC-2ADD496085A6}" destId="{AD2407BE-247E-47DD-A328-3C7E353C1415}" srcOrd="0" destOrd="0" presId="urn:microsoft.com/office/officeart/2005/8/layout/vList4"/>
     <dgm:cxn modelId="{B75B5E04-70D2-4F87-92F5-2965564DABB3}" type="presOf" srcId="{7EA0DDB6-E023-4897-A516-441358BF2371}" destId="{60673696-DA48-4D05-A88E-0FDCFB0213D2}" srcOrd="0" destOrd="0" presId="urn:microsoft.com/office/officeart/2005/8/layout/vList4"/>
+    <dgm:cxn modelId="{724F45B6-CCC5-4517-8E41-4802CB1D66D6}" type="presOf" srcId="{16C28C60-F972-4D4E-90C2-DEAB2A915701}" destId="{2BB16560-A123-4792-86E1-FB23B567C85D}" srcOrd="1" destOrd="3" presId="urn:microsoft.com/office/officeart/2005/8/layout/vList4"/>
     <dgm:cxn modelId="{B4BFCD13-7888-4732-9A83-4C956AE895B0}" type="presOf" srcId="{F0975166-DD61-4646-93D8-9BF5B13F8D3F}" destId="{2BB16560-A123-4792-86E1-FB23B567C85D}" srcOrd="1" destOrd="2" presId="urn:microsoft.com/office/officeart/2005/8/layout/vList4"/>
     <dgm:cxn modelId="{D0E5E434-4F36-4C49-97B8-0DC7D2165E6B}" srcId="{7EA0DDB6-E023-4897-A516-441358BF2371}" destId="{8A06C574-AA91-4828-A946-002704B4485D}" srcOrd="3" destOrd="0" parTransId="{46A6F793-9064-4AF2-8082-4FC888A9D0DA}" sibTransId="{5701DB7D-E49F-4A0B-A78B-A9D3357B11F5}"/>
     <dgm:cxn modelId="{306B1A13-35B3-4900-8142-21A3D9179347}" type="presOf" srcId="{800D3C3E-D85F-41BE-A5FB-41E4574520AF}" destId="{60673696-DA48-4D05-A88E-0FDCFB0213D2}" srcOrd="0" destOrd="6" presId="urn:microsoft.com/office/officeart/2005/8/layout/vList4"/>
-    <dgm:cxn modelId="{F2942D47-352D-4AE9-96DE-C0CF52654725}" type="presOf" srcId="{5974CA0C-30A2-44B3-BDCF-F4D110EEA1B2}" destId="{2BB16560-A123-4792-86E1-FB23B567C85D}" srcOrd="1" destOrd="7" presId="urn:microsoft.com/office/officeart/2005/8/layout/vList4"/>
-    <dgm:cxn modelId="{ED6D7C02-3D95-48FE-AB32-23B9873BBEA2}" type="presOf" srcId="{6191BC07-DD85-42A0-9DEA-61AF11E71CB6}" destId="{2BB16560-A123-4792-86E1-FB23B567C85D}" srcOrd="1" destOrd="3" presId="urn:microsoft.com/office/officeart/2005/8/layout/vList4"/>
+    <dgm:cxn modelId="{95A810B0-01CE-4DC5-92C8-8D6ADCC5533E}" type="presOf" srcId="{8E26CA4A-4875-4817-AEAB-0D0D4CC2E056}" destId="{2BB16560-A123-4792-86E1-FB23B567C85D}" srcOrd="1" destOrd="5" presId="urn:microsoft.com/office/officeart/2005/8/layout/vList4"/>
+    <dgm:cxn modelId="{F2942D47-352D-4AE9-96DE-C0CF52654725}" type="presOf" srcId="{5974CA0C-30A2-44B3-BDCF-F4D110EEA1B2}" destId="{2BB16560-A123-4792-86E1-FB23B567C85D}" srcOrd="1" destOrd="8" presId="urn:microsoft.com/office/officeart/2005/8/layout/vList4"/>
+    <dgm:cxn modelId="{2C14A83E-2BF9-436E-AD41-6BC6613371FA}" type="presOf" srcId="{93659130-C357-4D5F-B369-6CDD9E9AB97D}" destId="{60673696-DA48-4D05-A88E-0FDCFB0213D2}" srcOrd="0" destOrd="7" presId="urn:microsoft.com/office/officeart/2005/8/layout/vList4"/>
+    <dgm:cxn modelId="{F457E914-7332-4E3E-B445-A6C41B7F3E7B}" srcId="{7EA0DDB6-E023-4897-A516-441358BF2371}" destId="{8E26CA4A-4875-4817-AEAB-0D0D4CC2E056}" srcOrd="4" destOrd="0" parTransId="{6EFB9E86-ACE7-4F44-BAD5-026C3659E4D8}" sibTransId="{5B775F26-48D3-407F-B14E-88552E1DE411}"/>
     <dgm:cxn modelId="{E9BB5739-E7B6-42A3-A768-276A4A1E30DB}" type="presOf" srcId="{800D3C3E-D85F-41BE-A5FB-41E4574520AF}" destId="{2BB16560-A123-4792-86E1-FB23B567C85D}" srcOrd="1" destOrd="6" presId="urn:microsoft.com/office/officeart/2005/8/layout/vList4"/>
-    <dgm:cxn modelId="{1CDF99D4-D204-46D9-9DA4-7D3914DB3E72}" srcId="{7EA0DDB6-E023-4897-A516-441358BF2371}" destId="{7CE249B9-51DE-4EAF-A0E4-50B046A30849}" srcOrd="4" destOrd="0" parTransId="{05D45754-FB1E-4A26-9EB2-A7BB6CAB49B1}" sibTransId="{6D8D0C77-CF00-437C-A121-B067BABCA779}"/>
     <dgm:cxn modelId="{B84551AA-A34A-44BA-878B-FFCBA43770B4}" type="presOf" srcId="{F0975166-DD61-4646-93D8-9BF5B13F8D3F}" destId="{60673696-DA48-4D05-A88E-0FDCFB0213D2}" srcOrd="0" destOrd="2" presId="urn:microsoft.com/office/officeart/2005/8/layout/vList4"/>
     <dgm:cxn modelId="{6D168FE5-24E5-43BA-9D9C-2B7DE156FAAA}" type="presOf" srcId="{768FF635-9602-4110-BC5C-CA84D94E3A27}" destId="{2BB16560-A123-4792-86E1-FB23B567C85D}" srcOrd="1" destOrd="1" presId="urn:microsoft.com/office/officeart/2005/8/layout/vList4"/>
-    <dgm:cxn modelId="{61E96CA7-E6FC-4245-8084-E7E7B9713335}" type="presOf" srcId="{7CE249B9-51DE-4EAF-A0E4-50B046A30849}" destId="{60673696-DA48-4D05-A88E-0FDCFB0213D2}" srcOrd="0" destOrd="5" presId="urn:microsoft.com/office/officeart/2005/8/layout/vList4"/>
-    <dgm:cxn modelId="{6C2694D5-FBF2-4775-B0A5-353996E4BAE5}" srcId="{7EA0DDB6-E023-4897-A516-441358BF2371}" destId="{6191BC07-DD85-42A0-9DEA-61AF11E71CB6}" srcOrd="2" destOrd="0" parTransId="{5242D7BC-E6A9-4FD1-A747-0736CDD59FF9}" sibTransId="{0EF2F64B-6D15-4E0D-9440-0739653F956A}"/>
-    <dgm:cxn modelId="{81D882C2-2E24-4496-AE51-48C1750280BC}" srcId="{7EA0DDB6-E023-4897-A516-441358BF2371}" destId="{5974CA0C-30A2-44B3-BDCF-F4D110EEA1B2}" srcOrd="6" destOrd="0" parTransId="{781EAE1E-F94F-43B5-BCC9-3D67C26AEC8E}" sibTransId="{4471B809-E9B5-46CB-AB2B-A0B79719972B}"/>
-    <dgm:cxn modelId="{BA4ADC16-F8DE-40FE-9641-1DF6558B067F}" type="presOf" srcId="{7CE249B9-51DE-4EAF-A0E4-50B046A30849}" destId="{2BB16560-A123-4792-86E1-FB23B567C85D}" srcOrd="1" destOrd="5" presId="urn:microsoft.com/office/officeart/2005/8/layout/vList4"/>
+    <dgm:cxn modelId="{62F8273E-4973-43DC-B238-C10E53862D68}" type="presOf" srcId="{16C28C60-F972-4D4E-90C2-DEAB2A915701}" destId="{60673696-DA48-4D05-A88E-0FDCFB0213D2}" srcOrd="0" destOrd="3" presId="urn:microsoft.com/office/officeart/2005/8/layout/vList4"/>
+    <dgm:cxn modelId="{81D882C2-2E24-4496-AE51-48C1750280BC}" srcId="{7EA0DDB6-E023-4897-A516-441358BF2371}" destId="{5974CA0C-30A2-44B3-BDCF-F4D110EEA1B2}" srcOrd="7" destOrd="0" parTransId="{781EAE1E-F94F-43B5-BCC9-3D67C26AEC8E}" sibTransId="{4471B809-E9B5-46CB-AB2B-A0B79719972B}"/>
+    <dgm:cxn modelId="{84FF4CD7-C145-451C-BD56-C97B8B64AC4B}" type="presOf" srcId="{8E26CA4A-4875-4817-AEAB-0D0D4CC2E056}" destId="{60673696-DA48-4D05-A88E-0FDCFB0213D2}" srcOrd="0" destOrd="5" presId="urn:microsoft.com/office/officeart/2005/8/layout/vList4"/>
+    <dgm:cxn modelId="{7AEE60F3-8DBF-4DDB-AD46-F4A83DB9E6EF}" type="presOf" srcId="{93659130-C357-4D5F-B369-6CDD9E9AB97D}" destId="{2BB16560-A123-4792-86E1-FB23B567C85D}" srcOrd="1" destOrd="7" presId="urn:microsoft.com/office/officeart/2005/8/layout/vList4"/>
+    <dgm:cxn modelId="{0EFFE7E3-B6F3-4EE8-B2E0-2510134DE0AB}" srcId="{7EA0DDB6-E023-4897-A516-441358BF2371}" destId="{93659130-C357-4D5F-B369-6CDD9E9AB97D}" srcOrd="6" destOrd="0" parTransId="{8EA24022-27A1-479C-B74A-FF9C23791693}" sibTransId="{53559F55-1DC7-429F-92A3-8604824880E8}"/>
+    <dgm:cxn modelId="{1DA89A9B-0705-4C6E-BD97-CA53048E7CF7}" srcId="{7EA0DDB6-E023-4897-A516-441358BF2371}" destId="{16C28C60-F972-4D4E-90C2-DEAB2A915701}" srcOrd="2" destOrd="0" parTransId="{BC8A32E4-6B5D-4920-B61E-E9CF718C65FD}" sibTransId="{D4823634-3DCA-4721-B302-C8748E3C953F}"/>
     <dgm:cxn modelId="{3758EDA4-3F6E-4235-9ADF-A80E806125AC}" srcId="{7EA0DDB6-E023-4897-A516-441358BF2371}" destId="{F0975166-DD61-4646-93D8-9BF5B13F8D3F}" srcOrd="1" destOrd="0" parTransId="{224F1B48-E016-4407-9E84-AB43FC824F7B}" sibTransId="{D0E78C1C-3290-4A86-926E-6347CD812198}"/>
     <dgm:cxn modelId="{189755B2-E159-4DA8-A6A1-CC750C12F2DF}" srcId="{E02A8243-9315-404B-83BC-2ADD496085A6}" destId="{7EA0DDB6-E023-4897-A516-441358BF2371}" srcOrd="0" destOrd="0" parTransId="{EBB64EE0-B66E-4EF7-8F62-9F4C0642258F}" sibTransId="{288AA549-841D-415C-80BF-42805DF4537C}"/>
     <dgm:cxn modelId="{8036A944-F738-4450-B257-CD31FAC89CBB}" type="presOf" srcId="{768FF635-9602-4110-BC5C-CA84D94E3A27}" destId="{60673696-DA48-4D05-A88E-0FDCFB0213D2}" srcOrd="0" destOrd="1" presId="urn:microsoft.com/office/officeart/2005/8/layout/vList4"/>
     <dgm:cxn modelId="{0C66949A-6EEA-4757-82D7-6171C20E01D8}" type="presOf" srcId="{8A06C574-AA91-4828-A946-002704B4485D}" destId="{2BB16560-A123-4792-86E1-FB23B567C85D}" srcOrd="1" destOrd="4" presId="urn:microsoft.com/office/officeart/2005/8/layout/vList4"/>
-    <dgm:cxn modelId="{69F491EE-AD4D-4013-AC2D-E75E214DF0D0}" type="presOf" srcId="{6191BC07-DD85-42A0-9DEA-61AF11E71CB6}" destId="{60673696-DA48-4D05-A88E-0FDCFB0213D2}" srcOrd="0" destOrd="3" presId="urn:microsoft.com/office/officeart/2005/8/layout/vList4"/>
-    <dgm:cxn modelId="{B73ACF8C-2087-4594-9D41-937C2FEE0F10}" type="presOf" srcId="{5974CA0C-30A2-44B3-BDCF-F4D110EEA1B2}" destId="{60673696-DA48-4D05-A88E-0FDCFB0213D2}" srcOrd="0" destOrd="7" presId="urn:microsoft.com/office/officeart/2005/8/layout/vList4"/>
+    <dgm:cxn modelId="{B73ACF8C-2087-4594-9D41-937C2FEE0F10}" type="presOf" srcId="{5974CA0C-30A2-44B3-BDCF-F4D110EEA1B2}" destId="{60673696-DA48-4D05-A88E-0FDCFB0213D2}" srcOrd="0" destOrd="8" presId="urn:microsoft.com/office/officeart/2005/8/layout/vList4"/>
     <dgm:cxn modelId="{3A7FF077-E774-4332-BCE0-56778C43438D}" type="presParOf" srcId="{AD2407BE-247E-47DD-A328-3C7E353C1415}" destId="{18071BD0-5F59-42C6-A2FA-E2D22B0255C7}" srcOrd="0" destOrd="0" presId="urn:microsoft.com/office/officeart/2005/8/layout/vList4"/>
     <dgm:cxn modelId="{9021F7C8-C4A0-4E02-AC61-DE459C22162F}" type="presParOf" srcId="{18071BD0-5F59-42C6-A2FA-E2D22B0255C7}" destId="{60673696-DA48-4D05-A88E-0FDCFB0213D2}" srcOrd="0" destOrd="0" presId="urn:microsoft.com/office/officeart/2005/8/layout/vList4"/>
     <dgm:cxn modelId="{5E7A1E52-7C29-4BD4-99BD-C17D52E5D995}" type="presParOf" srcId="{18071BD0-5F59-42C6-A2FA-E2D22B0255C7}" destId="{F29D854D-8614-4100-8CDD-166315270E1B}" srcOrd="1" destOrd="0" presId="urn:microsoft.com/office/officeart/2005/8/layout/vList4"/>
@@ -7056,12 +7090,12 @@
         </a:fontRef>
       </dsp:style>
       <dsp:txBody>
-        <a:bodyPr spcFirstLastPara="0" vert="horz" wrap="square" lIns="121920" tIns="121920" rIns="121920" bIns="121920" numCol="1" spcCol="1270" anchor="t" anchorCtr="0">
+        <a:bodyPr spcFirstLastPara="0" vert="horz" wrap="square" lIns="110490" tIns="110490" rIns="110490" bIns="110490" numCol="1" spcCol="1270" anchor="t" anchorCtr="0">
           <a:noAutofit/>
         </a:bodyPr>
         <a:lstStyle/>
         <a:p>
-          <a:pPr lvl="0" algn="l" defTabSz="1422400">
+          <a:pPr lvl="0" algn="l" defTabSz="1289050">
             <a:lnSpc>
               <a:spcPct val="90000"/>
             </a:lnSpc>
@@ -7073,13 +7107,13 @@
             </a:spcAft>
           </a:pPr>
           <a:r>
-            <a:rPr lang="en-US" sz="3200" kern="1200" smtClean="0"/>
+            <a:rPr lang="en-US" sz="2900" kern="1200" smtClean="0"/>
             <a:t>Customer</a:t>
           </a:r>
-          <a:endParaRPr lang="en-US" sz="3200" kern="1200"/>
-        </a:p>
-        <a:p>
-          <a:pPr marL="228600" lvl="1" indent="-228600" algn="l" defTabSz="1111250">
+          <a:endParaRPr lang="en-US" sz="2900" kern="1200"/>
+        </a:p>
+        <a:p>
+          <a:pPr marL="228600" lvl="1" indent="-228600" algn="l" defTabSz="1022350">
             <a:lnSpc>
               <a:spcPct val="90000"/>
             </a:lnSpc>
@@ -7092,13 +7126,13 @@
             <a:buChar char="••"/>
           </a:pPr>
           <a:r>
-            <a:rPr lang="en-US" sz="2500" kern="1200" smtClean="0"/>
+            <a:rPr lang="en-US" sz="2300" kern="1200" smtClean="0"/>
             <a:t>Home view</a:t>
           </a:r>
-          <a:endParaRPr lang="en-US" sz="2500" kern="1200"/>
-        </a:p>
-        <a:p>
-          <a:pPr marL="228600" lvl="1" indent="-228600" algn="l" defTabSz="1111250">
+          <a:endParaRPr lang="en-US" sz="2300" kern="1200"/>
+        </a:p>
+        <a:p>
+          <a:pPr marL="228600" lvl="1" indent="-228600" algn="l" defTabSz="1022350">
             <a:lnSpc>
               <a:spcPct val="90000"/>
             </a:lnSpc>
@@ -7111,13 +7145,21 @@
             <a:buChar char="••"/>
           </a:pPr>
           <a:r>
-            <a:rPr lang="en-US" sz="2500" kern="1200" smtClean="0"/>
-            <a:t>Search, view product</a:t>
+            <a:rPr lang="en-US" sz="2300" kern="1200" smtClean="0"/>
+            <a:t>Search, </a:t>
           </a:r>
-          <a:endParaRPr lang="en-US" sz="2500" kern="1200"/>
-        </a:p>
-        <a:p>
-          <a:pPr marL="228600" lvl="1" indent="-228600" algn="l" defTabSz="1111250">
+          <a:r>
+            <a:rPr lang="vi-VN" sz="2300" kern="1200" smtClean="0"/>
+            <a:t>V</a:t>
+          </a:r>
+          <a:r>
+            <a:rPr lang="en-US" sz="2300" kern="1200" smtClean="0"/>
+            <a:t>iew product</a:t>
+          </a:r>
+          <a:endParaRPr lang="en-US" sz="2300" kern="1200"/>
+        </a:p>
+        <a:p>
+          <a:pPr marL="228600" lvl="1" indent="-228600" algn="l" defTabSz="1022350">
             <a:lnSpc>
               <a:spcPct val="90000"/>
             </a:lnSpc>
@@ -7130,13 +7172,13 @@
             <a:buChar char="••"/>
           </a:pPr>
           <a:r>
-            <a:rPr lang="en-US" sz="2500" kern="1200" smtClean="0"/>
-            <a:t>Order, view / cancel order</a:t>
+            <a:rPr lang="vi-VN" sz="2300" kern="1200" smtClean="0"/>
+            <a:t>View product detail</a:t>
           </a:r>
-          <a:endParaRPr lang="en-US" sz="2500" kern="1200"/>
-        </a:p>
-        <a:p>
-          <a:pPr marL="228600" lvl="1" indent="-228600" algn="l" defTabSz="1111250">
+          <a:endParaRPr lang="en-US" sz="2300" kern="1200"/>
+        </a:p>
+        <a:p>
+          <a:pPr marL="228600" lvl="1" indent="-228600" algn="l" defTabSz="1022350">
             <a:lnSpc>
               <a:spcPct val="90000"/>
             </a:lnSpc>
@@ -7149,13 +7191,13 @@
             <a:buChar char="••"/>
           </a:pPr>
           <a:r>
-            <a:rPr lang="en-US" sz="2500" kern="1200" smtClean="0"/>
+            <a:rPr lang="en-US" sz="2300" kern="1200" smtClean="0"/>
             <a:t>Cart page</a:t>
           </a:r>
-          <a:endParaRPr lang="en-US" sz="2500" kern="1200"/>
-        </a:p>
-        <a:p>
-          <a:pPr marL="228600" lvl="1" indent="-228600" algn="l" defTabSz="1111250">
+          <a:endParaRPr lang="en-US" sz="2300" kern="1200"/>
+        </a:p>
+        <a:p>
+          <a:pPr marL="228600" lvl="1" indent="-228600" algn="l" defTabSz="1022350">
             <a:lnSpc>
               <a:spcPct val="90000"/>
             </a:lnSpc>
@@ -7168,13 +7210,13 @@
             <a:buChar char="••"/>
           </a:pPr>
           <a:r>
-            <a:rPr lang="en-US" sz="2500" kern="1200" smtClean="0"/>
-            <a:t>Payment page</a:t>
+            <a:rPr lang="vi-VN" sz="2300" kern="1200" smtClean="0"/>
+            <a:t>Order</a:t>
           </a:r>
-          <a:endParaRPr lang="en-US" sz="2500" kern="1200"/>
-        </a:p>
-        <a:p>
-          <a:pPr marL="228600" lvl="1" indent="-228600" algn="l" defTabSz="1111250">
+          <a:endParaRPr lang="en-US" sz="2300" kern="1200"/>
+        </a:p>
+        <a:p>
+          <a:pPr marL="228600" lvl="1" indent="-228600" algn="l" defTabSz="1022350">
             <a:lnSpc>
               <a:spcPct val="90000"/>
             </a:lnSpc>
@@ -7187,13 +7229,21 @@
             <a:buChar char="••"/>
           </a:pPr>
           <a:r>
-            <a:rPr lang="en-US" sz="2500" kern="1200" smtClean="0"/>
-            <a:t>Login / Registration</a:t>
+            <a:rPr lang="en-US" sz="2300" kern="1200" smtClean="0"/>
+            <a:t>Login</a:t>
           </a:r>
-          <a:endParaRPr lang="en-US" sz="2500" kern="1200"/>
-        </a:p>
-        <a:p>
-          <a:pPr marL="228600" lvl="1" indent="-228600" algn="l" defTabSz="1111250">
+          <a:r>
+            <a:rPr lang="vi-VN" sz="2300" kern="1200" smtClean="0"/>
+            <a:t>,</a:t>
+          </a:r>
+          <a:r>
+            <a:rPr lang="en-US" sz="2300" kern="1200" smtClean="0"/>
+            <a:t> Registration</a:t>
+          </a:r>
+          <a:endParaRPr lang="en-US" sz="2300" kern="1200"/>
+        </a:p>
+        <a:p>
+          <a:pPr marL="228600" lvl="1" indent="-228600" algn="l" defTabSz="1022350">
             <a:lnSpc>
               <a:spcPct val="90000"/>
             </a:lnSpc>
@@ -7205,7 +7255,46 @@
             </a:spcAft>
             <a:buChar char="••"/>
           </a:pPr>
-          <a:endParaRPr lang="en-US" sz="2500" kern="1200"/>
+          <a:r>
+            <a:rPr lang="vi-VN" sz="2300" kern="1200" smtClean="0"/>
+            <a:t>V</a:t>
+          </a:r>
+          <a:r>
+            <a:rPr lang="en-US" sz="2300" kern="1200" smtClean="0"/>
+            <a:t>iew</a:t>
+          </a:r>
+          <a:r>
+            <a:rPr lang="vi-VN" sz="2300" kern="1200" smtClean="0"/>
+            <a:t>,</a:t>
+          </a:r>
+          <a:r>
+            <a:rPr lang="en-US" sz="2300" kern="1200" smtClean="0"/>
+            <a:t> </a:t>
+          </a:r>
+          <a:r>
+            <a:rPr lang="vi-VN" sz="2300" kern="1200" smtClean="0"/>
+            <a:t>C</a:t>
+          </a:r>
+          <a:r>
+            <a:rPr lang="en-US" sz="2300" kern="1200" smtClean="0"/>
+            <a:t>ancel order</a:t>
+          </a:r>
+          <a:endParaRPr lang="en-US" sz="2300" kern="1200"/>
+        </a:p>
+        <a:p>
+          <a:pPr marL="228600" lvl="1" indent="-228600" algn="l" defTabSz="1022350">
+            <a:lnSpc>
+              <a:spcPct val="90000"/>
+            </a:lnSpc>
+            <a:spcBef>
+              <a:spcPct val="0"/>
+            </a:spcBef>
+            <a:spcAft>
+              <a:spcPct val="15000"/>
+            </a:spcAft>
+            <a:buChar char="••"/>
+          </a:pPr>
+          <a:endParaRPr lang="en-US" sz="2300" kern="1200"/>
         </a:p>
       </dsp:txBody>
       <dsp:txXfrm>
@@ -15933,7 +16022,7 @@
           <a:p>
             <a:fld id="{89F87741-D5A9-4EC8-8E89-5D54608ECCCA}" type="datetimeFigureOut">
               <a:rPr lang="en-US" smtClean="0"/>
-              <a:t>30 - 03 - 2019</a:t>
+              <a:t>15 - 04 - 2019</a:t>
             </a:fld>
             <a:endParaRPr lang="en-US"/>
           </a:p>
@@ -16595,7 +16684,7 @@
           <a:p>
             <a:fld id="{69D90045-0D5B-4A86-88EA-BBB2805802CB}" type="datetime1">
               <a:rPr lang="en-US" smtClean="0"/>
-              <a:t>30 - 03 - 2019</a:t>
+              <a:t>15 - 04 - 2019</a:t>
             </a:fld>
             <a:endParaRPr lang="en-US"/>
           </a:p>
@@ -17464,7 +17553,7 @@
           <a:p>
             <a:fld id="{59347B6F-DDC2-40C5-A73C-643F579E89EE}" type="datetime1">
               <a:rPr lang="en-US" smtClean="0"/>
-              <a:t>30 - 03 - 2019</a:t>
+              <a:t>15 - 04 - 2019</a:t>
             </a:fld>
             <a:endParaRPr lang="en-US"/>
           </a:p>
@@ -17639,7 +17728,7 @@
           <a:p>
             <a:fld id="{8A02277F-A17D-4366-9156-8953CBA59ADA}" type="datetime1">
               <a:rPr lang="en-US" smtClean="0"/>
-              <a:t>30 - 03 - 2019</a:t>
+              <a:t>15 - 04 - 2019</a:t>
             </a:fld>
             <a:endParaRPr lang="en-US"/>
           </a:p>
@@ -17809,7 +17898,7 @@
           <a:p>
             <a:fld id="{BDAD00F1-995C-4A41-BDA8-DDB48BA681B1}" type="datetime1">
               <a:rPr lang="en-US" smtClean="0"/>
-              <a:t>30 - 03 - 2019</a:t>
+              <a:t>15 - 04 - 2019</a:t>
             </a:fld>
             <a:endParaRPr lang="en-US"/>
           </a:p>
@@ -18019,7 +18108,7 @@
           <a:p>
             <a:fld id="{16C762C4-8C4F-449E-B280-0854CF0A6717}" type="datetime1">
               <a:rPr lang="en-US" smtClean="0"/>
-              <a:t>30 - 03 - 2019</a:t>
+              <a:t>15 - 04 - 2019</a:t>
             </a:fld>
             <a:endParaRPr lang="en-US"/>
           </a:p>
@@ -18833,7 +18922,7 @@
           <a:p>
             <a:fld id="{B8DD4C73-9867-4F61-BAD2-73E3ACAE8984}" type="datetime1">
               <a:rPr lang="en-US" smtClean="0"/>
-              <a:t>30 - 03 - 2019</a:t>
+              <a:t>15 - 04 - 2019</a:t>
             </a:fld>
             <a:endParaRPr lang="en-US"/>
           </a:p>
@@ -19069,7 +19158,7 @@
           <a:p>
             <a:fld id="{0A16DE99-8757-4149-8F23-CFFA2BD178B8}" type="datetime1">
               <a:rPr lang="en-US" smtClean="0"/>
-              <a:t>30 - 03 - 2019</a:t>
+              <a:t>15 - 04 - 2019</a:t>
             </a:fld>
             <a:endParaRPr lang="en-US"/>
           </a:p>
@@ -19392,7 +19481,7 @@
           <a:p>
             <a:fld id="{4D8526AC-95C7-45B7-ADD2-45B8704F3A37}" type="datetime1">
               <a:rPr lang="en-US" smtClean="0"/>
-              <a:t>30 - 03 - 2019</a:t>
+              <a:t>15 - 04 - 2019</a:t>
             </a:fld>
             <a:endParaRPr lang="en-US"/>
           </a:p>
@@ -19482,7 +19571,7 @@
           <a:p>
             <a:fld id="{B756A492-A397-46EB-AA86-F02B53E04786}" type="datetime1">
               <a:rPr lang="en-US" smtClean="0"/>
-              <a:t>30 - 03 - 2019</a:t>
+              <a:t>15 - 04 - 2019</a:t>
             </a:fld>
             <a:endParaRPr lang="en-US"/>
           </a:p>
@@ -19999,7 +20088,7 @@
           <a:p>
             <a:fld id="{4F647839-F903-4643-A762-E22BD53B416E}" type="datetime1">
               <a:rPr lang="en-US" smtClean="0"/>
-              <a:t>30 - 03 - 2019</a:t>
+              <a:t>15 - 04 - 2019</a:t>
             </a:fld>
             <a:endParaRPr lang="en-US"/>
           </a:p>
@@ -20510,7 +20599,7 @@
           <a:p>
             <a:fld id="{3A44ADF4-CE10-441C-88E8-FBACA3C94392}" type="datetime1">
               <a:rPr lang="en-US" smtClean="0"/>
-              <a:t>30 - 03 - 2019</a:t>
+              <a:t>15 - 04 - 2019</a:t>
             </a:fld>
             <a:endParaRPr lang="en-US"/>
           </a:p>
@@ -20755,7 +20844,7 @@
           <a:p>
             <a:fld id="{859F6309-0A18-4A1A-99F9-8481C7224915}" type="datetime1">
               <a:rPr lang="en-US" smtClean="0"/>
-              <a:t>30 - 03 - 2019</a:t>
+              <a:t>15 - 04 - 2019</a:t>
             </a:fld>
             <a:endParaRPr lang="en-US"/>
           </a:p>
@@ -22232,25 +22321,6 @@
       </p:sp>
       <p:sp>
         <p:nvSpPr>
-          <p:cNvPr id="3" name="Content Placeholder 2"/>
-          <p:cNvSpPr>
-            <a:spLocks noGrp="1"/>
-          </p:cNvSpPr>
-          <p:nvPr>
-            <p:ph sz="quarter" idx="1"/>
-          </p:nvPr>
-        </p:nvSpPr>
-        <p:spPr/>
-        <p:txBody>
-          <a:bodyPr/>
-          <a:lstStyle/>
-          <a:p>
-            <a:endParaRPr lang="en-US"/>
-          </a:p>
-        </p:txBody>
-      </p:sp>
-      <p:sp>
-        <p:nvSpPr>
           <p:cNvPr id="4" name="Slide Number Placeholder 3"/>
           <p:cNvSpPr>
             <a:spLocks noGrp="1"/>
@@ -22272,6 +22342,62 @@
           </a:p>
         </p:txBody>
       </p:sp>
+      <p:pic>
+        <p:nvPicPr>
+          <p:cNvPr id="1028" name="Picture 4"/>
+          <p:cNvPicPr>
+            <a:picLocks noGrp="1" noChangeAspect="1" noChangeArrowheads="1"/>
+          </p:cNvPicPr>
+          <p:nvPr>
+            <p:ph sz="quarter" idx="1"/>
+          </p:nvPr>
+        </p:nvPicPr>
+        <p:blipFill>
+          <a:blip r:embed="rId2">
+            <a:extLst>
+              <a:ext uri="{28A0092B-C50C-407E-A947-70E740481C1C}">
+                <a14:useLocalDpi xmlns:a14="http://schemas.microsoft.com/office/drawing/2010/main" val="0"/>
+              </a:ext>
+            </a:extLst>
+          </a:blip>
+          <a:srcRect/>
+          <a:stretch>
+            <a:fillRect/>
+          </a:stretch>
+        </p:blipFill>
+        <p:spPr bwMode="auto">
+          <a:xfrm>
+            <a:off x="457200" y="1388154"/>
+            <a:ext cx="7672892" cy="4060145"/>
+          </a:xfrm>
+          <a:prstGeom prst="rect">
+            <a:avLst/>
+          </a:prstGeom>
+          <a:noFill/>
+          <a:ln>
+            <a:noFill/>
+          </a:ln>
+          <a:extLst>
+            <a:ext uri="{909E8E84-426E-40DD-AFC4-6F175D3DCCD1}">
+              <a14:hiddenFill xmlns:a14="http://schemas.microsoft.com/office/drawing/2010/main">
+                <a:solidFill>
+                  <a:schemeClr val="accent1"/>
+                </a:solidFill>
+              </a14:hiddenFill>
+            </a:ext>
+            <a:ext uri="{91240B29-F687-4F45-9708-019B960494DF}">
+              <a14:hiddenLine xmlns:a14="http://schemas.microsoft.com/office/drawing/2010/main" w="9525">
+                <a:solidFill>
+                  <a:schemeClr val="tx1"/>
+                </a:solidFill>
+                <a:miter lim="800000"/>
+                <a:headEnd/>
+                <a:tailEnd/>
+              </a14:hiddenLine>
+            </a:ext>
+          </a:extLst>
+        </p:spPr>
+      </p:pic>
     </p:spTree>
     <p:extLst>
       <p:ext uri="{BB962C8B-B14F-4D97-AF65-F5344CB8AC3E}">
@@ -23569,7 +23695,7 @@
           <p:nvPr>
             <p:extLst>
               <p:ext uri="{D42A27DB-BD31-4B8C-83A1-F6EECF244321}">
-                <p14:modId xmlns:p14="http://schemas.microsoft.com/office/powerpoint/2010/main" val="3857303713"/>
+                <p14:modId xmlns:p14="http://schemas.microsoft.com/office/powerpoint/2010/main" val="667149321"/>
               </p:ext>
             </p:extLst>
           </p:nvPr>
@@ -24127,7 +24253,7 @@
         </p:blipFill>
         <p:spPr>
           <a:xfrm>
-            <a:off x="5943600" y="3726269"/>
+            <a:off x="5718998" y="3726269"/>
             <a:ext cx="1914525" cy="1595438"/>
           </a:xfrm>
           <a:prstGeom prst="rect">
@@ -24157,7 +24283,7 @@
         </p:blipFill>
         <p:spPr>
           <a:xfrm>
-            <a:off x="5486400" y="1866900"/>
+            <a:off x="5429058" y="1622499"/>
             <a:ext cx="2494407" cy="1106826"/>
           </a:xfrm>
           <a:prstGeom prst="rect">
@@ -24211,49 +24337,8 @@
         </p:blipFill>
         <p:spPr bwMode="auto">
           <a:xfrm>
-            <a:off x="533400" y="4126261"/>
+            <a:off x="455074" y="4128642"/>
             <a:ext cx="2438400" cy="795454"/>
-          </a:xfrm>
-          <a:prstGeom prst="rect">
-            <a:avLst/>
-          </a:prstGeom>
-          <a:noFill/>
-          <a:extLst>
-            <a:ext uri="{909E8E84-426E-40DD-AFC4-6F175D3DCCD1}">
-              <a14:hiddenFill xmlns:a14="http://schemas.microsoft.com/office/drawing/2010/main">
-                <a:solidFill>
-                  <a:srgbClr val="FFFFFF"/>
-                </a:solidFill>
-              </a14:hiddenFill>
-            </a:ext>
-          </a:extLst>
-        </p:spPr>
-      </p:pic>
-      <p:pic>
-        <p:nvPicPr>
-          <p:cNvPr id="1028" name="Picture 4" descr="C:\Users\Sony Vaio\Desktop\logo-og.png"/>
-          <p:cNvPicPr>
-            <a:picLocks noChangeAspect="1" noChangeArrowheads="1"/>
-          </p:cNvPicPr>
-          <p:nvPr/>
-        </p:nvPicPr>
-        <p:blipFill>
-          <a:blip r:embed="rId6" cstate="print">
-            <a:extLst>
-              <a:ext uri="{28A0092B-C50C-407E-A947-70E740481C1C}">
-                <a14:useLocalDpi xmlns:a14="http://schemas.microsoft.com/office/drawing/2010/main" val="0"/>
-              </a:ext>
-            </a:extLst>
-          </a:blip>
-          <a:srcRect/>
-          <a:stretch>
-            <a:fillRect/>
-          </a:stretch>
-        </p:blipFill>
-        <p:spPr bwMode="auto">
-          <a:xfrm>
-            <a:off x="419100" y="1866900"/>
-            <a:ext cx="2552700" cy="1340168"/>
           </a:xfrm>
           <a:prstGeom prst="rect">
             <a:avLst/>
@@ -24279,7 +24364,7 @@
           <p:nvPr/>
         </p:nvPicPr>
         <p:blipFill>
-          <a:blip r:embed="rId7" cstate="print">
+          <a:blip r:embed="rId6" cstate="print">
             <a:extLst>
               <a:ext uri="{28A0092B-C50C-407E-A947-70E740481C1C}">
                 <a14:useLocalDpi xmlns:a14="http://schemas.microsoft.com/office/drawing/2010/main" val="0"/>
@@ -24293,8 +24378,79 @@
         </p:blipFill>
         <p:spPr bwMode="auto">
           <a:xfrm>
-            <a:off x="3581400" y="2973726"/>
+            <a:off x="3391302" y="3726269"/>
             <a:ext cx="1600200" cy="1600200"/>
+          </a:xfrm>
+          <a:prstGeom prst="rect">
+            <a:avLst/>
+          </a:prstGeom>
+          <a:noFill/>
+          <a:extLst>
+            <a:ext uri="{909E8E84-426E-40DD-AFC4-6F175D3DCCD1}">
+              <a14:hiddenFill xmlns:a14="http://schemas.microsoft.com/office/drawing/2010/main">
+                <a:solidFill>
+                  <a:srgbClr val="FFFFFF"/>
+                </a:solidFill>
+              </a14:hiddenFill>
+            </a:ext>
+          </a:extLst>
+        </p:spPr>
+      </p:pic>
+      <p:pic>
+        <p:nvPicPr>
+          <p:cNvPr id="10" name="Picture 9"/>
+          <p:cNvPicPr>
+            <a:picLocks noChangeAspect="1"/>
+          </p:cNvPicPr>
+          <p:nvPr/>
+        </p:nvPicPr>
+        <p:blipFill>
+          <a:blip r:embed="rId7" cstate="print">
+            <a:extLst>
+              <a:ext uri="{28A0092B-C50C-407E-A947-70E740481C1C}">
+                <a14:useLocalDpi xmlns:a14="http://schemas.microsoft.com/office/drawing/2010/main" val="0"/>
+              </a:ext>
+            </a:extLst>
+          </a:blip>
+          <a:stretch>
+            <a:fillRect/>
+          </a:stretch>
+        </p:blipFill>
+        <p:spPr>
+          <a:xfrm>
+            <a:off x="365051" y="1419246"/>
+            <a:ext cx="2528423" cy="1562100"/>
+          </a:xfrm>
+          <a:prstGeom prst="rect">
+            <a:avLst/>
+          </a:prstGeom>
+        </p:spPr>
+      </p:pic>
+      <p:pic>
+        <p:nvPicPr>
+          <p:cNvPr id="8" name="Picture 2" descr="Káº¿t quáº£ hÃ¬nh áº£nh cho dbeaver icon"/>
+          <p:cNvPicPr>
+            <a:picLocks noChangeAspect="1" noChangeArrowheads="1"/>
+          </p:cNvPicPr>
+          <p:nvPr/>
+        </p:nvPicPr>
+        <p:blipFill>
+          <a:blip r:embed="rId8">
+            <a:extLst>
+              <a:ext uri="{28A0092B-C50C-407E-A947-70E740481C1C}">
+                <a14:useLocalDpi xmlns:a14="http://schemas.microsoft.com/office/drawing/2010/main" val="0"/>
+              </a:ext>
+            </a:extLst>
+          </a:blip>
+          <a:srcRect/>
+          <a:stretch>
+            <a:fillRect/>
+          </a:stretch>
+        </p:blipFill>
+        <p:spPr bwMode="auto">
+          <a:xfrm>
+            <a:off x="3269583" y="1278477"/>
+            <a:ext cx="1843638" cy="1843638"/>
           </a:xfrm>
           <a:prstGeom prst="rect">
             <a:avLst/>

--- a/document/final_project.pptx
+++ b/document/final_project.pptx
@@ -3348,25 +3348,25 @@
     </dgm:pt>
   </dgm:ptLst>
   <dgm:cxnLst>
+    <dgm:cxn modelId="{A307EB41-74F3-4A4A-950A-F49EE17784DF}" type="presOf" srcId="{F5795272-2767-4B7B-B212-9E4DE40F1919}" destId="{0B906849-CFF8-4E78-BA96-568A3E6D2C53}" srcOrd="0" destOrd="3" presId="urn:microsoft.com/office/officeart/2005/8/layout/vList4"/>
+    <dgm:cxn modelId="{1EF8B61E-876B-45FD-967F-F850A9679371}" type="presOf" srcId="{98EFCF74-7924-412A-8CEE-C5C0D45AD7EF}" destId="{83425E95-6BB5-4ED0-8E47-2842AE508185}" srcOrd="1" destOrd="5" presId="urn:microsoft.com/office/officeart/2005/8/layout/vList4"/>
+    <dgm:cxn modelId="{AC8AD4D2-DFF7-48F1-90BB-DA6AF5AD6E3C}" type="presOf" srcId="{6EDED262-2059-44C0-BDC3-E8A562552D4A}" destId="{0B906849-CFF8-4E78-BA96-568A3E6D2C53}" srcOrd="0" destOrd="4" presId="urn:microsoft.com/office/officeart/2005/8/layout/vList4"/>
+    <dgm:cxn modelId="{75B6E60F-1189-4265-991A-B9415EBAF333}" type="presOf" srcId="{736E50BE-5DBE-4B69-BB71-5F8987BFA341}" destId="{83425E95-6BB5-4ED0-8E47-2842AE508185}" srcOrd="1" destOrd="2" presId="urn:microsoft.com/office/officeart/2005/8/layout/vList4"/>
+    <dgm:cxn modelId="{68D061E4-E0EF-4E76-A836-7CF782A8ADB7}" type="presOf" srcId="{98EFCF74-7924-412A-8CEE-C5C0D45AD7EF}" destId="{0B906849-CFF8-4E78-BA96-568A3E6D2C53}" srcOrd="0" destOrd="5" presId="urn:microsoft.com/office/officeart/2005/8/layout/vList4"/>
+    <dgm:cxn modelId="{6BA80430-A569-46DC-B608-B8179A2836FD}" type="presOf" srcId="{736E50BE-5DBE-4B69-BB71-5F8987BFA341}" destId="{0B906849-CFF8-4E78-BA96-568A3E6D2C53}" srcOrd="0" destOrd="2" presId="urn:microsoft.com/office/officeart/2005/8/layout/vList4"/>
+    <dgm:cxn modelId="{87FE3007-F02A-4C01-B3B5-E9BF4D846AA4}" type="presOf" srcId="{BF70A2BC-F55C-4C5C-95B7-DC5329E673A7}" destId="{83425E95-6BB5-4ED0-8E47-2842AE508185}" srcOrd="1" destOrd="0" presId="urn:microsoft.com/office/officeart/2005/8/layout/vList4"/>
+    <dgm:cxn modelId="{1C094BB6-EF81-45AF-BA05-11FCC2EE5DDD}" type="presOf" srcId="{F5795272-2767-4B7B-B212-9E4DE40F1919}" destId="{83425E95-6BB5-4ED0-8E47-2842AE508185}" srcOrd="1" destOrd="3" presId="urn:microsoft.com/office/officeart/2005/8/layout/vList4"/>
+    <dgm:cxn modelId="{8B7C893A-95E3-4D5A-9895-C79BAC216C7A}" srcId="{BF70A2BC-F55C-4C5C-95B7-DC5329E673A7}" destId="{F5795272-2767-4B7B-B212-9E4DE40F1919}" srcOrd="2" destOrd="0" parTransId="{359EF25B-C331-41DC-A30E-B5669E0B0D9E}" sibTransId="{1E8F3A51-16AC-4E69-924F-7BF286468B6E}"/>
+    <dgm:cxn modelId="{6C2D4AFE-CA01-4171-B49A-766B98C20435}" type="presOf" srcId="{EE7B76D8-5A04-4610-99F6-794C3E59E208}" destId="{0B906849-CFF8-4E78-BA96-568A3E6D2C53}" srcOrd="0" destOrd="1" presId="urn:microsoft.com/office/officeart/2005/8/layout/vList4"/>
+    <dgm:cxn modelId="{C8CA4020-75E3-4D9B-B37A-62CF1A0C4F5C}" type="presOf" srcId="{6EDED262-2059-44C0-BDC3-E8A562552D4A}" destId="{83425E95-6BB5-4ED0-8E47-2842AE508185}" srcOrd="1" destOrd="4" presId="urn:microsoft.com/office/officeart/2005/8/layout/vList4"/>
+    <dgm:cxn modelId="{91D48274-C49D-474A-A3F4-F02B29E13019}" type="presOf" srcId="{BF70A2BC-F55C-4C5C-95B7-DC5329E673A7}" destId="{0B906849-CFF8-4E78-BA96-568A3E6D2C53}" srcOrd="0" destOrd="0" presId="urn:microsoft.com/office/officeart/2005/8/layout/vList4"/>
+    <dgm:cxn modelId="{F2ED3A6A-6C08-4211-ACA2-D18458EDCB9B}" type="presOf" srcId="{E02A8243-9315-404B-83BC-2ADD496085A6}" destId="{AD2407BE-247E-47DD-A328-3C7E353C1415}" srcOrd="0" destOrd="0" presId="urn:microsoft.com/office/officeart/2005/8/layout/vList4"/>
     <dgm:cxn modelId="{1FDBE864-539D-408E-85E3-1A02F3608F1C}" srcId="{BF70A2BC-F55C-4C5C-95B7-DC5329E673A7}" destId="{736E50BE-5DBE-4B69-BB71-5F8987BFA341}" srcOrd="1" destOrd="0" parTransId="{3B4F6EE4-EC5C-42AC-8CBF-32D92376F0BF}" sibTransId="{254AF9A3-BDC6-46B7-8A17-B020012CE1D9}"/>
+    <dgm:cxn modelId="{B65ED16C-B23A-4D25-8A03-96CC0D917A89}" srcId="{E02A8243-9315-404B-83BC-2ADD496085A6}" destId="{BF70A2BC-F55C-4C5C-95B7-DC5329E673A7}" srcOrd="0" destOrd="0" parTransId="{DCFA195B-0FF9-400D-8239-5FAF58DF5EB0}" sibTransId="{A85A0E71-91E1-4984-AB29-1282732BDCE6}"/>
     <dgm:cxn modelId="{611282F5-C145-40D4-B62A-C4BC7785D60B}" srcId="{BF70A2BC-F55C-4C5C-95B7-DC5329E673A7}" destId="{EE7B76D8-5A04-4610-99F6-794C3E59E208}" srcOrd="0" destOrd="0" parTransId="{7E48AAC2-D084-4E2E-92D2-597BBE075778}" sibTransId="{D175A62C-A264-4276-921B-FDDD5ECF06E0}"/>
-    <dgm:cxn modelId="{C8CA4020-75E3-4D9B-B37A-62CF1A0C4F5C}" type="presOf" srcId="{6EDED262-2059-44C0-BDC3-E8A562552D4A}" destId="{83425E95-6BB5-4ED0-8E47-2842AE508185}" srcOrd="1" destOrd="4" presId="urn:microsoft.com/office/officeart/2005/8/layout/vList4"/>
-    <dgm:cxn modelId="{1C094BB6-EF81-45AF-BA05-11FCC2EE5DDD}" type="presOf" srcId="{F5795272-2767-4B7B-B212-9E4DE40F1919}" destId="{83425E95-6BB5-4ED0-8E47-2842AE508185}" srcOrd="1" destOrd="3" presId="urn:microsoft.com/office/officeart/2005/8/layout/vList4"/>
-    <dgm:cxn modelId="{91D48274-C49D-474A-A3F4-F02B29E13019}" type="presOf" srcId="{BF70A2BC-F55C-4C5C-95B7-DC5329E673A7}" destId="{0B906849-CFF8-4E78-BA96-568A3E6D2C53}" srcOrd="0" destOrd="0" presId="urn:microsoft.com/office/officeart/2005/8/layout/vList4"/>
-    <dgm:cxn modelId="{87FE3007-F02A-4C01-B3B5-E9BF4D846AA4}" type="presOf" srcId="{BF70A2BC-F55C-4C5C-95B7-DC5329E673A7}" destId="{83425E95-6BB5-4ED0-8E47-2842AE508185}" srcOrd="1" destOrd="0" presId="urn:microsoft.com/office/officeart/2005/8/layout/vList4"/>
+    <dgm:cxn modelId="{B397A2C3-98E6-448F-B710-059498D25BAD}" type="presOf" srcId="{EE7B76D8-5A04-4610-99F6-794C3E59E208}" destId="{83425E95-6BB5-4ED0-8E47-2842AE508185}" srcOrd="1" destOrd="1" presId="urn:microsoft.com/office/officeart/2005/8/layout/vList4"/>
+    <dgm:cxn modelId="{88D54E45-8497-46CC-94E2-AA6928FF62F7}" srcId="{BF70A2BC-F55C-4C5C-95B7-DC5329E673A7}" destId="{6EDED262-2059-44C0-BDC3-E8A562552D4A}" srcOrd="3" destOrd="0" parTransId="{36497893-9948-466F-8251-4CB6C0746282}" sibTransId="{0199D02C-D2EB-42E6-A24A-8D59E41972D6}"/>
     <dgm:cxn modelId="{557A9957-A3B3-4C44-851D-ED52A8F08FEA}" srcId="{BF70A2BC-F55C-4C5C-95B7-DC5329E673A7}" destId="{98EFCF74-7924-412A-8CEE-C5C0D45AD7EF}" srcOrd="4" destOrd="0" parTransId="{10246765-7A4B-40D5-87EF-258886DF4828}" sibTransId="{0F1DF7B5-6BE4-444C-A221-A8EADC672320}"/>
-    <dgm:cxn modelId="{88D54E45-8497-46CC-94E2-AA6928FF62F7}" srcId="{BF70A2BC-F55C-4C5C-95B7-DC5329E673A7}" destId="{6EDED262-2059-44C0-BDC3-E8A562552D4A}" srcOrd="3" destOrd="0" parTransId="{36497893-9948-466F-8251-4CB6C0746282}" sibTransId="{0199D02C-D2EB-42E6-A24A-8D59E41972D6}"/>
-    <dgm:cxn modelId="{6C2D4AFE-CA01-4171-B49A-766B98C20435}" type="presOf" srcId="{EE7B76D8-5A04-4610-99F6-794C3E59E208}" destId="{0B906849-CFF8-4E78-BA96-568A3E6D2C53}" srcOrd="0" destOrd="1" presId="urn:microsoft.com/office/officeart/2005/8/layout/vList4"/>
-    <dgm:cxn modelId="{8B7C893A-95E3-4D5A-9895-C79BAC216C7A}" srcId="{BF70A2BC-F55C-4C5C-95B7-DC5329E673A7}" destId="{F5795272-2767-4B7B-B212-9E4DE40F1919}" srcOrd="2" destOrd="0" parTransId="{359EF25B-C331-41DC-A30E-B5669E0B0D9E}" sibTransId="{1E8F3A51-16AC-4E69-924F-7BF286468B6E}"/>
-    <dgm:cxn modelId="{6BA80430-A569-46DC-B608-B8179A2836FD}" type="presOf" srcId="{736E50BE-5DBE-4B69-BB71-5F8987BFA341}" destId="{0B906849-CFF8-4E78-BA96-568A3E6D2C53}" srcOrd="0" destOrd="2" presId="urn:microsoft.com/office/officeart/2005/8/layout/vList4"/>
-    <dgm:cxn modelId="{B65ED16C-B23A-4D25-8A03-96CC0D917A89}" srcId="{E02A8243-9315-404B-83BC-2ADD496085A6}" destId="{BF70A2BC-F55C-4C5C-95B7-DC5329E673A7}" srcOrd="0" destOrd="0" parTransId="{DCFA195B-0FF9-400D-8239-5FAF58DF5EB0}" sibTransId="{A85A0E71-91E1-4984-AB29-1282732BDCE6}"/>
-    <dgm:cxn modelId="{1EF8B61E-876B-45FD-967F-F850A9679371}" type="presOf" srcId="{98EFCF74-7924-412A-8CEE-C5C0D45AD7EF}" destId="{83425E95-6BB5-4ED0-8E47-2842AE508185}" srcOrd="1" destOrd="5" presId="urn:microsoft.com/office/officeart/2005/8/layout/vList4"/>
-    <dgm:cxn modelId="{B397A2C3-98E6-448F-B710-059498D25BAD}" type="presOf" srcId="{EE7B76D8-5A04-4610-99F6-794C3E59E208}" destId="{83425E95-6BB5-4ED0-8E47-2842AE508185}" srcOrd="1" destOrd="1" presId="urn:microsoft.com/office/officeart/2005/8/layout/vList4"/>
-    <dgm:cxn modelId="{68D061E4-E0EF-4E76-A836-7CF782A8ADB7}" type="presOf" srcId="{98EFCF74-7924-412A-8CEE-C5C0D45AD7EF}" destId="{0B906849-CFF8-4E78-BA96-568A3E6D2C53}" srcOrd="0" destOrd="5" presId="urn:microsoft.com/office/officeart/2005/8/layout/vList4"/>
-    <dgm:cxn modelId="{F2ED3A6A-6C08-4211-ACA2-D18458EDCB9B}" type="presOf" srcId="{E02A8243-9315-404B-83BC-2ADD496085A6}" destId="{AD2407BE-247E-47DD-A328-3C7E353C1415}" srcOrd="0" destOrd="0" presId="urn:microsoft.com/office/officeart/2005/8/layout/vList4"/>
-    <dgm:cxn modelId="{75B6E60F-1189-4265-991A-B9415EBAF333}" type="presOf" srcId="{736E50BE-5DBE-4B69-BB71-5F8987BFA341}" destId="{83425E95-6BB5-4ED0-8E47-2842AE508185}" srcOrd="1" destOrd="2" presId="urn:microsoft.com/office/officeart/2005/8/layout/vList4"/>
-    <dgm:cxn modelId="{AC8AD4D2-DFF7-48F1-90BB-DA6AF5AD6E3C}" type="presOf" srcId="{6EDED262-2059-44C0-BDC3-E8A562552D4A}" destId="{0B906849-CFF8-4E78-BA96-568A3E6D2C53}" srcOrd="0" destOrd="4" presId="urn:microsoft.com/office/officeart/2005/8/layout/vList4"/>
-    <dgm:cxn modelId="{A307EB41-74F3-4A4A-950A-F49EE17784DF}" type="presOf" srcId="{F5795272-2767-4B7B-B212-9E4DE40F1919}" destId="{0B906849-CFF8-4E78-BA96-568A3E6D2C53}" srcOrd="0" destOrd="3" presId="urn:microsoft.com/office/officeart/2005/8/layout/vList4"/>
     <dgm:cxn modelId="{61BFDC48-0F91-455D-9D3D-2E4183D1A2AC}" type="presParOf" srcId="{AD2407BE-247E-47DD-A328-3C7E353C1415}" destId="{A483763C-A1A2-4AC2-B0F2-F1CB7FCABC72}" srcOrd="0" destOrd="0" presId="urn:microsoft.com/office/officeart/2005/8/layout/vList4"/>
     <dgm:cxn modelId="{4B7CB803-0720-42C6-9E1D-A4907B6D5616}" type="presParOf" srcId="{A483763C-A1A2-4AC2-B0F2-F1CB7FCABC72}" destId="{0B906849-CFF8-4E78-BA96-568A3E6D2C53}" srcOrd="0" destOrd="0" presId="urn:microsoft.com/office/officeart/2005/8/layout/vList4"/>
     <dgm:cxn modelId="{310C31E8-1907-456D-9F03-3D350897D021}" type="presParOf" srcId="{A483763C-A1A2-4AC2-B0F2-F1CB7FCABC72}" destId="{685997F9-7933-4967-B61A-2621F57A5682}" srcOrd="1" destOrd="0" presId="urn:microsoft.com/office/officeart/2005/8/layout/vList4"/>
@@ -22676,7 +22676,7 @@
           <p:cNvPr id="4" name="Rectangle 3">
             <a:extLst>
               <a:ext uri="{FF2B5EF4-FFF2-40B4-BE49-F238E27FC236}">
-                <a16:creationId xmlns="" xmlns:a16="http://schemas.microsoft.com/office/drawing/2014/main" id="{9BF65F1D-032E-4BC9-965B-AC131CD9699D}"/>
+                <a16:creationId xmlns:a16="http://schemas.microsoft.com/office/drawing/2014/main" xmlns="" id="{9BF65F1D-032E-4BC9-965B-AC131CD9699D}"/>
               </a:ext>
             </a:extLst>
           </p:cNvPr>
@@ -22874,7 +22874,7 @@
           <p:cNvPr id="4" name="Rectangle 3">
             <a:extLst>
               <a:ext uri="{FF2B5EF4-FFF2-40B4-BE49-F238E27FC236}">
-                <a16:creationId xmlns="" xmlns:a16="http://schemas.microsoft.com/office/drawing/2014/main" id="{9BF65F1D-032E-4BC9-965B-AC131CD9699D}"/>
+                <a16:creationId xmlns:a16="http://schemas.microsoft.com/office/drawing/2014/main" xmlns="" id="{9BF65F1D-032E-4BC9-965B-AC131CD9699D}"/>
               </a:ext>
             </a:extLst>
           </p:cNvPr>
@@ -25132,7 +25132,7 @@
       </p:sp>
       <p:pic>
         <p:nvPicPr>
-          <p:cNvPr id="1029" name="Picture 5" descr="C:\Users\Sony Vaio\Desktop\manga.png"/>
+          <p:cNvPr id="1026" name="Picture 2" descr="C:\Users\Sony Vaio\Desktop\manga_2.png"/>
           <p:cNvPicPr>
             <a:picLocks noGrp="1" noChangeAspect="1" noChangeArrowheads="1"/>
           </p:cNvPicPr>
@@ -25155,8 +25155,8 @@
         </p:blipFill>
         <p:spPr bwMode="auto">
           <a:xfrm>
-            <a:off x="228599" y="1409700"/>
-            <a:ext cx="7852385" cy="4114800"/>
+            <a:off x="381000" y="1485900"/>
+            <a:ext cx="7725120" cy="4114800"/>
           </a:xfrm>
           <a:prstGeom prst="rect">
             <a:avLst/>

--- a/document/final_project.pptx
+++ b/document/final_project.pptx
@@ -3348,25 +3348,25 @@
     </dgm:pt>
   </dgm:ptLst>
   <dgm:cxnLst>
+    <dgm:cxn modelId="{1FDBE864-539D-408E-85E3-1A02F3608F1C}" srcId="{BF70A2BC-F55C-4C5C-95B7-DC5329E673A7}" destId="{736E50BE-5DBE-4B69-BB71-5F8987BFA341}" srcOrd="1" destOrd="0" parTransId="{3B4F6EE4-EC5C-42AC-8CBF-32D92376F0BF}" sibTransId="{254AF9A3-BDC6-46B7-8A17-B020012CE1D9}"/>
+    <dgm:cxn modelId="{611282F5-C145-40D4-B62A-C4BC7785D60B}" srcId="{BF70A2BC-F55C-4C5C-95B7-DC5329E673A7}" destId="{EE7B76D8-5A04-4610-99F6-794C3E59E208}" srcOrd="0" destOrd="0" parTransId="{7E48AAC2-D084-4E2E-92D2-597BBE075778}" sibTransId="{D175A62C-A264-4276-921B-FDDD5ECF06E0}"/>
+    <dgm:cxn modelId="{C8CA4020-75E3-4D9B-B37A-62CF1A0C4F5C}" type="presOf" srcId="{6EDED262-2059-44C0-BDC3-E8A562552D4A}" destId="{83425E95-6BB5-4ED0-8E47-2842AE508185}" srcOrd="1" destOrd="4" presId="urn:microsoft.com/office/officeart/2005/8/layout/vList4"/>
+    <dgm:cxn modelId="{1C094BB6-EF81-45AF-BA05-11FCC2EE5DDD}" type="presOf" srcId="{F5795272-2767-4B7B-B212-9E4DE40F1919}" destId="{83425E95-6BB5-4ED0-8E47-2842AE508185}" srcOrd="1" destOrd="3" presId="urn:microsoft.com/office/officeart/2005/8/layout/vList4"/>
+    <dgm:cxn modelId="{91D48274-C49D-474A-A3F4-F02B29E13019}" type="presOf" srcId="{BF70A2BC-F55C-4C5C-95B7-DC5329E673A7}" destId="{0B906849-CFF8-4E78-BA96-568A3E6D2C53}" srcOrd="0" destOrd="0" presId="urn:microsoft.com/office/officeart/2005/8/layout/vList4"/>
+    <dgm:cxn modelId="{87FE3007-F02A-4C01-B3B5-E9BF4D846AA4}" type="presOf" srcId="{BF70A2BC-F55C-4C5C-95B7-DC5329E673A7}" destId="{83425E95-6BB5-4ED0-8E47-2842AE508185}" srcOrd="1" destOrd="0" presId="urn:microsoft.com/office/officeart/2005/8/layout/vList4"/>
+    <dgm:cxn modelId="{557A9957-A3B3-4C44-851D-ED52A8F08FEA}" srcId="{BF70A2BC-F55C-4C5C-95B7-DC5329E673A7}" destId="{98EFCF74-7924-412A-8CEE-C5C0D45AD7EF}" srcOrd="4" destOrd="0" parTransId="{10246765-7A4B-40D5-87EF-258886DF4828}" sibTransId="{0F1DF7B5-6BE4-444C-A221-A8EADC672320}"/>
+    <dgm:cxn modelId="{88D54E45-8497-46CC-94E2-AA6928FF62F7}" srcId="{BF70A2BC-F55C-4C5C-95B7-DC5329E673A7}" destId="{6EDED262-2059-44C0-BDC3-E8A562552D4A}" srcOrd="3" destOrd="0" parTransId="{36497893-9948-466F-8251-4CB6C0746282}" sibTransId="{0199D02C-D2EB-42E6-A24A-8D59E41972D6}"/>
+    <dgm:cxn modelId="{6C2D4AFE-CA01-4171-B49A-766B98C20435}" type="presOf" srcId="{EE7B76D8-5A04-4610-99F6-794C3E59E208}" destId="{0B906849-CFF8-4E78-BA96-568A3E6D2C53}" srcOrd="0" destOrd="1" presId="urn:microsoft.com/office/officeart/2005/8/layout/vList4"/>
+    <dgm:cxn modelId="{8B7C893A-95E3-4D5A-9895-C79BAC216C7A}" srcId="{BF70A2BC-F55C-4C5C-95B7-DC5329E673A7}" destId="{F5795272-2767-4B7B-B212-9E4DE40F1919}" srcOrd="2" destOrd="0" parTransId="{359EF25B-C331-41DC-A30E-B5669E0B0D9E}" sibTransId="{1E8F3A51-16AC-4E69-924F-7BF286468B6E}"/>
+    <dgm:cxn modelId="{6BA80430-A569-46DC-B608-B8179A2836FD}" type="presOf" srcId="{736E50BE-5DBE-4B69-BB71-5F8987BFA341}" destId="{0B906849-CFF8-4E78-BA96-568A3E6D2C53}" srcOrd="0" destOrd="2" presId="urn:microsoft.com/office/officeart/2005/8/layout/vList4"/>
+    <dgm:cxn modelId="{B65ED16C-B23A-4D25-8A03-96CC0D917A89}" srcId="{E02A8243-9315-404B-83BC-2ADD496085A6}" destId="{BF70A2BC-F55C-4C5C-95B7-DC5329E673A7}" srcOrd="0" destOrd="0" parTransId="{DCFA195B-0FF9-400D-8239-5FAF58DF5EB0}" sibTransId="{A85A0E71-91E1-4984-AB29-1282732BDCE6}"/>
+    <dgm:cxn modelId="{1EF8B61E-876B-45FD-967F-F850A9679371}" type="presOf" srcId="{98EFCF74-7924-412A-8CEE-C5C0D45AD7EF}" destId="{83425E95-6BB5-4ED0-8E47-2842AE508185}" srcOrd="1" destOrd="5" presId="urn:microsoft.com/office/officeart/2005/8/layout/vList4"/>
+    <dgm:cxn modelId="{B397A2C3-98E6-448F-B710-059498D25BAD}" type="presOf" srcId="{EE7B76D8-5A04-4610-99F6-794C3E59E208}" destId="{83425E95-6BB5-4ED0-8E47-2842AE508185}" srcOrd="1" destOrd="1" presId="urn:microsoft.com/office/officeart/2005/8/layout/vList4"/>
+    <dgm:cxn modelId="{68D061E4-E0EF-4E76-A836-7CF782A8ADB7}" type="presOf" srcId="{98EFCF74-7924-412A-8CEE-C5C0D45AD7EF}" destId="{0B906849-CFF8-4E78-BA96-568A3E6D2C53}" srcOrd="0" destOrd="5" presId="urn:microsoft.com/office/officeart/2005/8/layout/vList4"/>
+    <dgm:cxn modelId="{F2ED3A6A-6C08-4211-ACA2-D18458EDCB9B}" type="presOf" srcId="{E02A8243-9315-404B-83BC-2ADD496085A6}" destId="{AD2407BE-247E-47DD-A328-3C7E353C1415}" srcOrd="0" destOrd="0" presId="urn:microsoft.com/office/officeart/2005/8/layout/vList4"/>
+    <dgm:cxn modelId="{75B6E60F-1189-4265-991A-B9415EBAF333}" type="presOf" srcId="{736E50BE-5DBE-4B69-BB71-5F8987BFA341}" destId="{83425E95-6BB5-4ED0-8E47-2842AE508185}" srcOrd="1" destOrd="2" presId="urn:microsoft.com/office/officeart/2005/8/layout/vList4"/>
+    <dgm:cxn modelId="{AC8AD4D2-DFF7-48F1-90BB-DA6AF5AD6E3C}" type="presOf" srcId="{6EDED262-2059-44C0-BDC3-E8A562552D4A}" destId="{0B906849-CFF8-4E78-BA96-568A3E6D2C53}" srcOrd="0" destOrd="4" presId="urn:microsoft.com/office/officeart/2005/8/layout/vList4"/>
     <dgm:cxn modelId="{A307EB41-74F3-4A4A-950A-F49EE17784DF}" type="presOf" srcId="{F5795272-2767-4B7B-B212-9E4DE40F1919}" destId="{0B906849-CFF8-4E78-BA96-568A3E6D2C53}" srcOrd="0" destOrd="3" presId="urn:microsoft.com/office/officeart/2005/8/layout/vList4"/>
-    <dgm:cxn modelId="{1EF8B61E-876B-45FD-967F-F850A9679371}" type="presOf" srcId="{98EFCF74-7924-412A-8CEE-C5C0D45AD7EF}" destId="{83425E95-6BB5-4ED0-8E47-2842AE508185}" srcOrd="1" destOrd="5" presId="urn:microsoft.com/office/officeart/2005/8/layout/vList4"/>
-    <dgm:cxn modelId="{AC8AD4D2-DFF7-48F1-90BB-DA6AF5AD6E3C}" type="presOf" srcId="{6EDED262-2059-44C0-BDC3-E8A562552D4A}" destId="{0B906849-CFF8-4E78-BA96-568A3E6D2C53}" srcOrd="0" destOrd="4" presId="urn:microsoft.com/office/officeart/2005/8/layout/vList4"/>
-    <dgm:cxn modelId="{75B6E60F-1189-4265-991A-B9415EBAF333}" type="presOf" srcId="{736E50BE-5DBE-4B69-BB71-5F8987BFA341}" destId="{83425E95-6BB5-4ED0-8E47-2842AE508185}" srcOrd="1" destOrd="2" presId="urn:microsoft.com/office/officeart/2005/8/layout/vList4"/>
-    <dgm:cxn modelId="{68D061E4-E0EF-4E76-A836-7CF782A8ADB7}" type="presOf" srcId="{98EFCF74-7924-412A-8CEE-C5C0D45AD7EF}" destId="{0B906849-CFF8-4E78-BA96-568A3E6D2C53}" srcOrd="0" destOrd="5" presId="urn:microsoft.com/office/officeart/2005/8/layout/vList4"/>
-    <dgm:cxn modelId="{6BA80430-A569-46DC-B608-B8179A2836FD}" type="presOf" srcId="{736E50BE-5DBE-4B69-BB71-5F8987BFA341}" destId="{0B906849-CFF8-4E78-BA96-568A3E6D2C53}" srcOrd="0" destOrd="2" presId="urn:microsoft.com/office/officeart/2005/8/layout/vList4"/>
-    <dgm:cxn modelId="{87FE3007-F02A-4C01-B3B5-E9BF4D846AA4}" type="presOf" srcId="{BF70A2BC-F55C-4C5C-95B7-DC5329E673A7}" destId="{83425E95-6BB5-4ED0-8E47-2842AE508185}" srcOrd="1" destOrd="0" presId="urn:microsoft.com/office/officeart/2005/8/layout/vList4"/>
-    <dgm:cxn modelId="{1C094BB6-EF81-45AF-BA05-11FCC2EE5DDD}" type="presOf" srcId="{F5795272-2767-4B7B-B212-9E4DE40F1919}" destId="{83425E95-6BB5-4ED0-8E47-2842AE508185}" srcOrd="1" destOrd="3" presId="urn:microsoft.com/office/officeart/2005/8/layout/vList4"/>
-    <dgm:cxn modelId="{8B7C893A-95E3-4D5A-9895-C79BAC216C7A}" srcId="{BF70A2BC-F55C-4C5C-95B7-DC5329E673A7}" destId="{F5795272-2767-4B7B-B212-9E4DE40F1919}" srcOrd="2" destOrd="0" parTransId="{359EF25B-C331-41DC-A30E-B5669E0B0D9E}" sibTransId="{1E8F3A51-16AC-4E69-924F-7BF286468B6E}"/>
-    <dgm:cxn modelId="{6C2D4AFE-CA01-4171-B49A-766B98C20435}" type="presOf" srcId="{EE7B76D8-5A04-4610-99F6-794C3E59E208}" destId="{0B906849-CFF8-4E78-BA96-568A3E6D2C53}" srcOrd="0" destOrd="1" presId="urn:microsoft.com/office/officeart/2005/8/layout/vList4"/>
-    <dgm:cxn modelId="{C8CA4020-75E3-4D9B-B37A-62CF1A0C4F5C}" type="presOf" srcId="{6EDED262-2059-44C0-BDC3-E8A562552D4A}" destId="{83425E95-6BB5-4ED0-8E47-2842AE508185}" srcOrd="1" destOrd="4" presId="urn:microsoft.com/office/officeart/2005/8/layout/vList4"/>
-    <dgm:cxn modelId="{91D48274-C49D-474A-A3F4-F02B29E13019}" type="presOf" srcId="{BF70A2BC-F55C-4C5C-95B7-DC5329E673A7}" destId="{0B906849-CFF8-4E78-BA96-568A3E6D2C53}" srcOrd="0" destOrd="0" presId="urn:microsoft.com/office/officeart/2005/8/layout/vList4"/>
-    <dgm:cxn modelId="{F2ED3A6A-6C08-4211-ACA2-D18458EDCB9B}" type="presOf" srcId="{E02A8243-9315-404B-83BC-2ADD496085A6}" destId="{AD2407BE-247E-47DD-A328-3C7E353C1415}" srcOrd="0" destOrd="0" presId="urn:microsoft.com/office/officeart/2005/8/layout/vList4"/>
-    <dgm:cxn modelId="{1FDBE864-539D-408E-85E3-1A02F3608F1C}" srcId="{BF70A2BC-F55C-4C5C-95B7-DC5329E673A7}" destId="{736E50BE-5DBE-4B69-BB71-5F8987BFA341}" srcOrd="1" destOrd="0" parTransId="{3B4F6EE4-EC5C-42AC-8CBF-32D92376F0BF}" sibTransId="{254AF9A3-BDC6-46B7-8A17-B020012CE1D9}"/>
-    <dgm:cxn modelId="{B65ED16C-B23A-4D25-8A03-96CC0D917A89}" srcId="{E02A8243-9315-404B-83BC-2ADD496085A6}" destId="{BF70A2BC-F55C-4C5C-95B7-DC5329E673A7}" srcOrd="0" destOrd="0" parTransId="{DCFA195B-0FF9-400D-8239-5FAF58DF5EB0}" sibTransId="{A85A0E71-91E1-4984-AB29-1282732BDCE6}"/>
-    <dgm:cxn modelId="{611282F5-C145-40D4-B62A-C4BC7785D60B}" srcId="{BF70A2BC-F55C-4C5C-95B7-DC5329E673A7}" destId="{EE7B76D8-5A04-4610-99F6-794C3E59E208}" srcOrd="0" destOrd="0" parTransId="{7E48AAC2-D084-4E2E-92D2-597BBE075778}" sibTransId="{D175A62C-A264-4276-921B-FDDD5ECF06E0}"/>
-    <dgm:cxn modelId="{B397A2C3-98E6-448F-B710-059498D25BAD}" type="presOf" srcId="{EE7B76D8-5A04-4610-99F6-794C3E59E208}" destId="{83425E95-6BB5-4ED0-8E47-2842AE508185}" srcOrd="1" destOrd="1" presId="urn:microsoft.com/office/officeart/2005/8/layout/vList4"/>
-    <dgm:cxn modelId="{88D54E45-8497-46CC-94E2-AA6928FF62F7}" srcId="{BF70A2BC-F55C-4C5C-95B7-DC5329E673A7}" destId="{6EDED262-2059-44C0-BDC3-E8A562552D4A}" srcOrd="3" destOrd="0" parTransId="{36497893-9948-466F-8251-4CB6C0746282}" sibTransId="{0199D02C-D2EB-42E6-A24A-8D59E41972D6}"/>
-    <dgm:cxn modelId="{557A9957-A3B3-4C44-851D-ED52A8F08FEA}" srcId="{BF70A2BC-F55C-4C5C-95B7-DC5329E673A7}" destId="{98EFCF74-7924-412A-8CEE-C5C0D45AD7EF}" srcOrd="4" destOrd="0" parTransId="{10246765-7A4B-40D5-87EF-258886DF4828}" sibTransId="{0F1DF7B5-6BE4-444C-A221-A8EADC672320}"/>
     <dgm:cxn modelId="{61BFDC48-0F91-455D-9D3D-2E4183D1A2AC}" type="presParOf" srcId="{AD2407BE-247E-47DD-A328-3C7E353C1415}" destId="{A483763C-A1A2-4AC2-B0F2-F1CB7FCABC72}" srcOrd="0" destOrd="0" presId="urn:microsoft.com/office/officeart/2005/8/layout/vList4"/>
     <dgm:cxn modelId="{4B7CB803-0720-42C6-9E1D-A4907B6D5616}" type="presParOf" srcId="{A483763C-A1A2-4AC2-B0F2-F1CB7FCABC72}" destId="{0B906849-CFF8-4E78-BA96-568A3E6D2C53}" srcOrd="0" destOrd="0" presId="urn:microsoft.com/office/officeart/2005/8/layout/vList4"/>
     <dgm:cxn modelId="{310C31E8-1907-456D-9F03-3D350897D021}" type="presParOf" srcId="{A483763C-A1A2-4AC2-B0F2-F1CB7FCABC72}" destId="{685997F9-7933-4967-B61A-2621F57A5682}" srcOrd="1" destOrd="0" presId="urn:microsoft.com/office/officeart/2005/8/layout/vList4"/>
@@ -16022,7 +16022,7 @@
           <a:p>
             <a:fld id="{89F87741-D5A9-4EC8-8E89-5D54608ECCCA}" type="datetimeFigureOut">
               <a:rPr lang="en-US" smtClean="0"/>
-              <a:t>15 - 04 - 2019</a:t>
+              <a:t>16 - 04 - 2019</a:t>
             </a:fld>
             <a:endParaRPr lang="en-US"/>
           </a:p>
@@ -16684,7 +16684,7 @@
           <a:p>
             <a:fld id="{69D90045-0D5B-4A86-88EA-BBB2805802CB}" type="datetime1">
               <a:rPr lang="en-US" smtClean="0"/>
-              <a:t>15 - 04 - 2019</a:t>
+              <a:t>16 - 04 - 2019</a:t>
             </a:fld>
             <a:endParaRPr lang="en-US"/>
           </a:p>
@@ -17553,7 +17553,7 @@
           <a:p>
             <a:fld id="{59347B6F-DDC2-40C5-A73C-643F579E89EE}" type="datetime1">
               <a:rPr lang="en-US" smtClean="0"/>
-              <a:t>15 - 04 - 2019</a:t>
+              <a:t>16 - 04 - 2019</a:t>
             </a:fld>
             <a:endParaRPr lang="en-US"/>
           </a:p>
@@ -17728,7 +17728,7 @@
           <a:p>
             <a:fld id="{8A02277F-A17D-4366-9156-8953CBA59ADA}" type="datetime1">
               <a:rPr lang="en-US" smtClean="0"/>
-              <a:t>15 - 04 - 2019</a:t>
+              <a:t>16 - 04 - 2019</a:t>
             </a:fld>
             <a:endParaRPr lang="en-US"/>
           </a:p>
@@ -17898,7 +17898,7 @@
           <a:p>
             <a:fld id="{BDAD00F1-995C-4A41-BDA8-DDB48BA681B1}" type="datetime1">
               <a:rPr lang="en-US" smtClean="0"/>
-              <a:t>15 - 04 - 2019</a:t>
+              <a:t>16 - 04 - 2019</a:t>
             </a:fld>
             <a:endParaRPr lang="en-US"/>
           </a:p>
@@ -18108,7 +18108,7 @@
           <a:p>
             <a:fld id="{16C762C4-8C4F-449E-B280-0854CF0A6717}" type="datetime1">
               <a:rPr lang="en-US" smtClean="0"/>
-              <a:t>15 - 04 - 2019</a:t>
+              <a:t>16 - 04 - 2019</a:t>
             </a:fld>
             <a:endParaRPr lang="en-US"/>
           </a:p>
@@ -18922,7 +18922,7 @@
           <a:p>
             <a:fld id="{B8DD4C73-9867-4F61-BAD2-73E3ACAE8984}" type="datetime1">
               <a:rPr lang="en-US" smtClean="0"/>
-              <a:t>15 - 04 - 2019</a:t>
+              <a:t>16 - 04 - 2019</a:t>
             </a:fld>
             <a:endParaRPr lang="en-US"/>
           </a:p>
@@ -19158,7 +19158,7 @@
           <a:p>
             <a:fld id="{0A16DE99-8757-4149-8F23-CFFA2BD178B8}" type="datetime1">
               <a:rPr lang="en-US" smtClean="0"/>
-              <a:t>15 - 04 - 2019</a:t>
+              <a:t>16 - 04 - 2019</a:t>
             </a:fld>
             <a:endParaRPr lang="en-US"/>
           </a:p>
@@ -19481,7 +19481,7 @@
           <a:p>
             <a:fld id="{4D8526AC-95C7-45B7-ADD2-45B8704F3A37}" type="datetime1">
               <a:rPr lang="en-US" smtClean="0"/>
-              <a:t>15 - 04 - 2019</a:t>
+              <a:t>16 - 04 - 2019</a:t>
             </a:fld>
             <a:endParaRPr lang="en-US"/>
           </a:p>
@@ -19571,7 +19571,7 @@
           <a:p>
             <a:fld id="{B756A492-A397-46EB-AA86-F02B53E04786}" type="datetime1">
               <a:rPr lang="en-US" smtClean="0"/>
-              <a:t>15 - 04 - 2019</a:t>
+              <a:t>16 - 04 - 2019</a:t>
             </a:fld>
             <a:endParaRPr lang="en-US"/>
           </a:p>
@@ -20088,7 +20088,7 @@
           <a:p>
             <a:fld id="{4F647839-F903-4643-A762-E22BD53B416E}" type="datetime1">
               <a:rPr lang="en-US" smtClean="0"/>
-              <a:t>15 - 04 - 2019</a:t>
+              <a:t>16 - 04 - 2019</a:t>
             </a:fld>
             <a:endParaRPr lang="en-US"/>
           </a:p>
@@ -20599,7 +20599,7 @@
           <a:p>
             <a:fld id="{3A44ADF4-CE10-441C-88E8-FBACA3C94392}" type="datetime1">
               <a:rPr lang="en-US" smtClean="0"/>
-              <a:t>15 - 04 - 2019</a:t>
+              <a:t>16 - 04 - 2019</a:t>
             </a:fld>
             <a:endParaRPr lang="en-US"/>
           </a:p>
@@ -20844,7 +20844,7 @@
           <a:p>
             <a:fld id="{859F6309-0A18-4A1A-99F9-8481C7224915}" type="datetime1">
               <a:rPr lang="en-US" smtClean="0"/>
-              <a:t>15 - 04 - 2019</a:t>
+              <a:t>16 - 04 - 2019</a:t>
             </a:fld>
             <a:endParaRPr lang="en-US"/>
           </a:p>
@@ -22676,7 +22676,7 @@
           <p:cNvPr id="4" name="Rectangle 3">
             <a:extLst>
               <a:ext uri="{FF2B5EF4-FFF2-40B4-BE49-F238E27FC236}">
-                <a16:creationId xmlns:a16="http://schemas.microsoft.com/office/drawing/2014/main" xmlns="" id="{9BF65F1D-032E-4BC9-965B-AC131CD9699D}"/>
+                <a16:creationId xmlns="" xmlns:a16="http://schemas.microsoft.com/office/drawing/2014/main" id="{9BF65F1D-032E-4BC9-965B-AC131CD9699D}"/>
               </a:ext>
             </a:extLst>
           </p:cNvPr>
@@ -22874,7 +22874,7 @@
           <p:cNvPr id="4" name="Rectangle 3">
             <a:extLst>
               <a:ext uri="{FF2B5EF4-FFF2-40B4-BE49-F238E27FC236}">
-                <a16:creationId xmlns:a16="http://schemas.microsoft.com/office/drawing/2014/main" xmlns="" id="{9BF65F1D-032E-4BC9-965B-AC131CD9699D}"/>
+                <a16:creationId xmlns="" xmlns:a16="http://schemas.microsoft.com/office/drawing/2014/main" id="{9BF65F1D-032E-4BC9-965B-AC131CD9699D}"/>
               </a:ext>
             </a:extLst>
           </p:cNvPr>
@@ -25132,7 +25132,7 @@
       </p:sp>
       <p:pic>
         <p:nvPicPr>
-          <p:cNvPr id="1026" name="Picture 2" descr="C:\Users\Sony Vaio\Desktop\manga_2.png"/>
+          <p:cNvPr id="1027" name="Picture 3" descr="C:\Users\Sony Vaio\Desktop\manga.png"/>
           <p:cNvPicPr>
             <a:picLocks noGrp="1" noChangeAspect="1" noChangeArrowheads="1"/>
           </p:cNvPicPr>
@@ -25155,8 +25155,8 @@
         </p:blipFill>
         <p:spPr bwMode="auto">
           <a:xfrm>
-            <a:off x="381000" y="1485900"/>
-            <a:ext cx="7725120" cy="4114800"/>
+            <a:off x="762000" y="1257300"/>
+            <a:ext cx="6934200" cy="4457700"/>
           </a:xfrm>
           <a:prstGeom prst="rect">
             <a:avLst/>

--- a/document/final_project.pptx
+++ b/document/final_project.pptx
@@ -3348,25 +3348,25 @@
     </dgm:pt>
   </dgm:ptLst>
   <dgm:cxnLst>
+    <dgm:cxn modelId="{A307EB41-74F3-4A4A-950A-F49EE17784DF}" type="presOf" srcId="{F5795272-2767-4B7B-B212-9E4DE40F1919}" destId="{0B906849-CFF8-4E78-BA96-568A3E6D2C53}" srcOrd="0" destOrd="3" presId="urn:microsoft.com/office/officeart/2005/8/layout/vList4"/>
+    <dgm:cxn modelId="{1EF8B61E-876B-45FD-967F-F850A9679371}" type="presOf" srcId="{98EFCF74-7924-412A-8CEE-C5C0D45AD7EF}" destId="{83425E95-6BB5-4ED0-8E47-2842AE508185}" srcOrd="1" destOrd="5" presId="urn:microsoft.com/office/officeart/2005/8/layout/vList4"/>
+    <dgm:cxn modelId="{AC8AD4D2-DFF7-48F1-90BB-DA6AF5AD6E3C}" type="presOf" srcId="{6EDED262-2059-44C0-BDC3-E8A562552D4A}" destId="{0B906849-CFF8-4E78-BA96-568A3E6D2C53}" srcOrd="0" destOrd="4" presId="urn:microsoft.com/office/officeart/2005/8/layout/vList4"/>
+    <dgm:cxn modelId="{75B6E60F-1189-4265-991A-B9415EBAF333}" type="presOf" srcId="{736E50BE-5DBE-4B69-BB71-5F8987BFA341}" destId="{83425E95-6BB5-4ED0-8E47-2842AE508185}" srcOrd="1" destOrd="2" presId="urn:microsoft.com/office/officeart/2005/8/layout/vList4"/>
+    <dgm:cxn modelId="{68D061E4-E0EF-4E76-A836-7CF782A8ADB7}" type="presOf" srcId="{98EFCF74-7924-412A-8CEE-C5C0D45AD7EF}" destId="{0B906849-CFF8-4E78-BA96-568A3E6D2C53}" srcOrd="0" destOrd="5" presId="urn:microsoft.com/office/officeart/2005/8/layout/vList4"/>
+    <dgm:cxn modelId="{6BA80430-A569-46DC-B608-B8179A2836FD}" type="presOf" srcId="{736E50BE-5DBE-4B69-BB71-5F8987BFA341}" destId="{0B906849-CFF8-4E78-BA96-568A3E6D2C53}" srcOrd="0" destOrd="2" presId="urn:microsoft.com/office/officeart/2005/8/layout/vList4"/>
+    <dgm:cxn modelId="{87FE3007-F02A-4C01-B3B5-E9BF4D846AA4}" type="presOf" srcId="{BF70A2BC-F55C-4C5C-95B7-DC5329E673A7}" destId="{83425E95-6BB5-4ED0-8E47-2842AE508185}" srcOrd="1" destOrd="0" presId="urn:microsoft.com/office/officeart/2005/8/layout/vList4"/>
+    <dgm:cxn modelId="{1C094BB6-EF81-45AF-BA05-11FCC2EE5DDD}" type="presOf" srcId="{F5795272-2767-4B7B-B212-9E4DE40F1919}" destId="{83425E95-6BB5-4ED0-8E47-2842AE508185}" srcOrd="1" destOrd="3" presId="urn:microsoft.com/office/officeart/2005/8/layout/vList4"/>
+    <dgm:cxn modelId="{8B7C893A-95E3-4D5A-9895-C79BAC216C7A}" srcId="{BF70A2BC-F55C-4C5C-95B7-DC5329E673A7}" destId="{F5795272-2767-4B7B-B212-9E4DE40F1919}" srcOrd="2" destOrd="0" parTransId="{359EF25B-C331-41DC-A30E-B5669E0B0D9E}" sibTransId="{1E8F3A51-16AC-4E69-924F-7BF286468B6E}"/>
+    <dgm:cxn modelId="{6C2D4AFE-CA01-4171-B49A-766B98C20435}" type="presOf" srcId="{EE7B76D8-5A04-4610-99F6-794C3E59E208}" destId="{0B906849-CFF8-4E78-BA96-568A3E6D2C53}" srcOrd="0" destOrd="1" presId="urn:microsoft.com/office/officeart/2005/8/layout/vList4"/>
+    <dgm:cxn modelId="{C8CA4020-75E3-4D9B-B37A-62CF1A0C4F5C}" type="presOf" srcId="{6EDED262-2059-44C0-BDC3-E8A562552D4A}" destId="{83425E95-6BB5-4ED0-8E47-2842AE508185}" srcOrd="1" destOrd="4" presId="urn:microsoft.com/office/officeart/2005/8/layout/vList4"/>
+    <dgm:cxn modelId="{91D48274-C49D-474A-A3F4-F02B29E13019}" type="presOf" srcId="{BF70A2BC-F55C-4C5C-95B7-DC5329E673A7}" destId="{0B906849-CFF8-4E78-BA96-568A3E6D2C53}" srcOrd="0" destOrd="0" presId="urn:microsoft.com/office/officeart/2005/8/layout/vList4"/>
+    <dgm:cxn modelId="{F2ED3A6A-6C08-4211-ACA2-D18458EDCB9B}" type="presOf" srcId="{E02A8243-9315-404B-83BC-2ADD496085A6}" destId="{AD2407BE-247E-47DD-A328-3C7E353C1415}" srcOrd="0" destOrd="0" presId="urn:microsoft.com/office/officeart/2005/8/layout/vList4"/>
     <dgm:cxn modelId="{1FDBE864-539D-408E-85E3-1A02F3608F1C}" srcId="{BF70A2BC-F55C-4C5C-95B7-DC5329E673A7}" destId="{736E50BE-5DBE-4B69-BB71-5F8987BFA341}" srcOrd="1" destOrd="0" parTransId="{3B4F6EE4-EC5C-42AC-8CBF-32D92376F0BF}" sibTransId="{254AF9A3-BDC6-46B7-8A17-B020012CE1D9}"/>
+    <dgm:cxn modelId="{B65ED16C-B23A-4D25-8A03-96CC0D917A89}" srcId="{E02A8243-9315-404B-83BC-2ADD496085A6}" destId="{BF70A2BC-F55C-4C5C-95B7-DC5329E673A7}" srcOrd="0" destOrd="0" parTransId="{DCFA195B-0FF9-400D-8239-5FAF58DF5EB0}" sibTransId="{A85A0E71-91E1-4984-AB29-1282732BDCE6}"/>
     <dgm:cxn modelId="{611282F5-C145-40D4-B62A-C4BC7785D60B}" srcId="{BF70A2BC-F55C-4C5C-95B7-DC5329E673A7}" destId="{EE7B76D8-5A04-4610-99F6-794C3E59E208}" srcOrd="0" destOrd="0" parTransId="{7E48AAC2-D084-4E2E-92D2-597BBE075778}" sibTransId="{D175A62C-A264-4276-921B-FDDD5ECF06E0}"/>
-    <dgm:cxn modelId="{C8CA4020-75E3-4D9B-B37A-62CF1A0C4F5C}" type="presOf" srcId="{6EDED262-2059-44C0-BDC3-E8A562552D4A}" destId="{83425E95-6BB5-4ED0-8E47-2842AE508185}" srcOrd="1" destOrd="4" presId="urn:microsoft.com/office/officeart/2005/8/layout/vList4"/>
-    <dgm:cxn modelId="{1C094BB6-EF81-45AF-BA05-11FCC2EE5DDD}" type="presOf" srcId="{F5795272-2767-4B7B-B212-9E4DE40F1919}" destId="{83425E95-6BB5-4ED0-8E47-2842AE508185}" srcOrd="1" destOrd="3" presId="urn:microsoft.com/office/officeart/2005/8/layout/vList4"/>
-    <dgm:cxn modelId="{91D48274-C49D-474A-A3F4-F02B29E13019}" type="presOf" srcId="{BF70A2BC-F55C-4C5C-95B7-DC5329E673A7}" destId="{0B906849-CFF8-4E78-BA96-568A3E6D2C53}" srcOrd="0" destOrd="0" presId="urn:microsoft.com/office/officeart/2005/8/layout/vList4"/>
-    <dgm:cxn modelId="{87FE3007-F02A-4C01-B3B5-E9BF4D846AA4}" type="presOf" srcId="{BF70A2BC-F55C-4C5C-95B7-DC5329E673A7}" destId="{83425E95-6BB5-4ED0-8E47-2842AE508185}" srcOrd="1" destOrd="0" presId="urn:microsoft.com/office/officeart/2005/8/layout/vList4"/>
+    <dgm:cxn modelId="{B397A2C3-98E6-448F-B710-059498D25BAD}" type="presOf" srcId="{EE7B76D8-5A04-4610-99F6-794C3E59E208}" destId="{83425E95-6BB5-4ED0-8E47-2842AE508185}" srcOrd="1" destOrd="1" presId="urn:microsoft.com/office/officeart/2005/8/layout/vList4"/>
+    <dgm:cxn modelId="{88D54E45-8497-46CC-94E2-AA6928FF62F7}" srcId="{BF70A2BC-F55C-4C5C-95B7-DC5329E673A7}" destId="{6EDED262-2059-44C0-BDC3-E8A562552D4A}" srcOrd="3" destOrd="0" parTransId="{36497893-9948-466F-8251-4CB6C0746282}" sibTransId="{0199D02C-D2EB-42E6-A24A-8D59E41972D6}"/>
     <dgm:cxn modelId="{557A9957-A3B3-4C44-851D-ED52A8F08FEA}" srcId="{BF70A2BC-F55C-4C5C-95B7-DC5329E673A7}" destId="{98EFCF74-7924-412A-8CEE-C5C0D45AD7EF}" srcOrd="4" destOrd="0" parTransId="{10246765-7A4B-40D5-87EF-258886DF4828}" sibTransId="{0F1DF7B5-6BE4-444C-A221-A8EADC672320}"/>
-    <dgm:cxn modelId="{88D54E45-8497-46CC-94E2-AA6928FF62F7}" srcId="{BF70A2BC-F55C-4C5C-95B7-DC5329E673A7}" destId="{6EDED262-2059-44C0-BDC3-E8A562552D4A}" srcOrd="3" destOrd="0" parTransId="{36497893-9948-466F-8251-4CB6C0746282}" sibTransId="{0199D02C-D2EB-42E6-A24A-8D59E41972D6}"/>
-    <dgm:cxn modelId="{6C2D4AFE-CA01-4171-B49A-766B98C20435}" type="presOf" srcId="{EE7B76D8-5A04-4610-99F6-794C3E59E208}" destId="{0B906849-CFF8-4E78-BA96-568A3E6D2C53}" srcOrd="0" destOrd="1" presId="urn:microsoft.com/office/officeart/2005/8/layout/vList4"/>
-    <dgm:cxn modelId="{8B7C893A-95E3-4D5A-9895-C79BAC216C7A}" srcId="{BF70A2BC-F55C-4C5C-95B7-DC5329E673A7}" destId="{F5795272-2767-4B7B-B212-9E4DE40F1919}" srcOrd="2" destOrd="0" parTransId="{359EF25B-C331-41DC-A30E-B5669E0B0D9E}" sibTransId="{1E8F3A51-16AC-4E69-924F-7BF286468B6E}"/>
-    <dgm:cxn modelId="{6BA80430-A569-46DC-B608-B8179A2836FD}" type="presOf" srcId="{736E50BE-5DBE-4B69-BB71-5F8987BFA341}" destId="{0B906849-CFF8-4E78-BA96-568A3E6D2C53}" srcOrd="0" destOrd="2" presId="urn:microsoft.com/office/officeart/2005/8/layout/vList4"/>
-    <dgm:cxn modelId="{B65ED16C-B23A-4D25-8A03-96CC0D917A89}" srcId="{E02A8243-9315-404B-83BC-2ADD496085A6}" destId="{BF70A2BC-F55C-4C5C-95B7-DC5329E673A7}" srcOrd="0" destOrd="0" parTransId="{DCFA195B-0FF9-400D-8239-5FAF58DF5EB0}" sibTransId="{A85A0E71-91E1-4984-AB29-1282732BDCE6}"/>
-    <dgm:cxn modelId="{1EF8B61E-876B-45FD-967F-F850A9679371}" type="presOf" srcId="{98EFCF74-7924-412A-8CEE-C5C0D45AD7EF}" destId="{83425E95-6BB5-4ED0-8E47-2842AE508185}" srcOrd="1" destOrd="5" presId="urn:microsoft.com/office/officeart/2005/8/layout/vList4"/>
-    <dgm:cxn modelId="{B397A2C3-98E6-448F-B710-059498D25BAD}" type="presOf" srcId="{EE7B76D8-5A04-4610-99F6-794C3E59E208}" destId="{83425E95-6BB5-4ED0-8E47-2842AE508185}" srcOrd="1" destOrd="1" presId="urn:microsoft.com/office/officeart/2005/8/layout/vList4"/>
-    <dgm:cxn modelId="{68D061E4-E0EF-4E76-A836-7CF782A8ADB7}" type="presOf" srcId="{98EFCF74-7924-412A-8CEE-C5C0D45AD7EF}" destId="{0B906849-CFF8-4E78-BA96-568A3E6D2C53}" srcOrd="0" destOrd="5" presId="urn:microsoft.com/office/officeart/2005/8/layout/vList4"/>
-    <dgm:cxn modelId="{F2ED3A6A-6C08-4211-ACA2-D18458EDCB9B}" type="presOf" srcId="{E02A8243-9315-404B-83BC-2ADD496085A6}" destId="{AD2407BE-247E-47DD-A328-3C7E353C1415}" srcOrd="0" destOrd="0" presId="urn:microsoft.com/office/officeart/2005/8/layout/vList4"/>
-    <dgm:cxn modelId="{75B6E60F-1189-4265-991A-B9415EBAF333}" type="presOf" srcId="{736E50BE-5DBE-4B69-BB71-5F8987BFA341}" destId="{83425E95-6BB5-4ED0-8E47-2842AE508185}" srcOrd="1" destOrd="2" presId="urn:microsoft.com/office/officeart/2005/8/layout/vList4"/>
-    <dgm:cxn modelId="{AC8AD4D2-DFF7-48F1-90BB-DA6AF5AD6E3C}" type="presOf" srcId="{6EDED262-2059-44C0-BDC3-E8A562552D4A}" destId="{0B906849-CFF8-4E78-BA96-568A3E6D2C53}" srcOrd="0" destOrd="4" presId="urn:microsoft.com/office/officeart/2005/8/layout/vList4"/>
-    <dgm:cxn modelId="{A307EB41-74F3-4A4A-950A-F49EE17784DF}" type="presOf" srcId="{F5795272-2767-4B7B-B212-9E4DE40F1919}" destId="{0B906849-CFF8-4E78-BA96-568A3E6D2C53}" srcOrd="0" destOrd="3" presId="urn:microsoft.com/office/officeart/2005/8/layout/vList4"/>
     <dgm:cxn modelId="{61BFDC48-0F91-455D-9D3D-2E4183D1A2AC}" type="presParOf" srcId="{AD2407BE-247E-47DD-A328-3C7E353C1415}" destId="{A483763C-A1A2-4AC2-B0F2-F1CB7FCABC72}" srcOrd="0" destOrd="0" presId="urn:microsoft.com/office/officeart/2005/8/layout/vList4"/>
     <dgm:cxn modelId="{4B7CB803-0720-42C6-9E1D-A4907B6D5616}" type="presParOf" srcId="{A483763C-A1A2-4AC2-B0F2-F1CB7FCABC72}" destId="{0B906849-CFF8-4E78-BA96-568A3E6D2C53}" srcOrd="0" destOrd="0" presId="urn:microsoft.com/office/officeart/2005/8/layout/vList4"/>
     <dgm:cxn modelId="{310C31E8-1907-456D-9F03-3D350897D021}" type="presParOf" srcId="{A483763C-A1A2-4AC2-B0F2-F1CB7FCABC72}" destId="{685997F9-7933-4967-B61A-2621F57A5682}" srcOrd="1" destOrd="0" presId="urn:microsoft.com/office/officeart/2005/8/layout/vList4"/>
@@ -16022,7 +16022,7 @@
           <a:p>
             <a:fld id="{89F87741-D5A9-4EC8-8E89-5D54608ECCCA}" type="datetimeFigureOut">
               <a:rPr lang="en-US" smtClean="0"/>
-              <a:t>16 - 04 - 2019</a:t>
+              <a:t>18 - 04 - 2019</a:t>
             </a:fld>
             <a:endParaRPr lang="en-US"/>
           </a:p>
@@ -16684,7 +16684,7 @@
           <a:p>
             <a:fld id="{69D90045-0D5B-4A86-88EA-BBB2805802CB}" type="datetime1">
               <a:rPr lang="en-US" smtClean="0"/>
-              <a:t>16 - 04 - 2019</a:t>
+              <a:t>18 - 04 - 2019</a:t>
             </a:fld>
             <a:endParaRPr lang="en-US"/>
           </a:p>
@@ -17553,7 +17553,7 @@
           <a:p>
             <a:fld id="{59347B6F-DDC2-40C5-A73C-643F579E89EE}" type="datetime1">
               <a:rPr lang="en-US" smtClean="0"/>
-              <a:t>16 - 04 - 2019</a:t>
+              <a:t>18 - 04 - 2019</a:t>
             </a:fld>
             <a:endParaRPr lang="en-US"/>
           </a:p>
@@ -17728,7 +17728,7 @@
           <a:p>
             <a:fld id="{8A02277F-A17D-4366-9156-8953CBA59ADA}" type="datetime1">
               <a:rPr lang="en-US" smtClean="0"/>
-              <a:t>16 - 04 - 2019</a:t>
+              <a:t>18 - 04 - 2019</a:t>
             </a:fld>
             <a:endParaRPr lang="en-US"/>
           </a:p>
@@ -17898,7 +17898,7 @@
           <a:p>
             <a:fld id="{BDAD00F1-995C-4A41-BDA8-DDB48BA681B1}" type="datetime1">
               <a:rPr lang="en-US" smtClean="0"/>
-              <a:t>16 - 04 - 2019</a:t>
+              <a:t>18 - 04 - 2019</a:t>
             </a:fld>
             <a:endParaRPr lang="en-US"/>
           </a:p>
@@ -18108,7 +18108,7 @@
           <a:p>
             <a:fld id="{16C762C4-8C4F-449E-B280-0854CF0A6717}" type="datetime1">
               <a:rPr lang="en-US" smtClean="0"/>
-              <a:t>16 - 04 - 2019</a:t>
+              <a:t>18 - 04 - 2019</a:t>
             </a:fld>
             <a:endParaRPr lang="en-US"/>
           </a:p>
@@ -18922,7 +18922,7 @@
           <a:p>
             <a:fld id="{B8DD4C73-9867-4F61-BAD2-73E3ACAE8984}" type="datetime1">
               <a:rPr lang="en-US" smtClean="0"/>
-              <a:t>16 - 04 - 2019</a:t>
+              <a:t>18 - 04 - 2019</a:t>
             </a:fld>
             <a:endParaRPr lang="en-US"/>
           </a:p>
@@ -19158,7 +19158,7 @@
           <a:p>
             <a:fld id="{0A16DE99-8757-4149-8F23-CFFA2BD178B8}" type="datetime1">
               <a:rPr lang="en-US" smtClean="0"/>
-              <a:t>16 - 04 - 2019</a:t>
+              <a:t>18 - 04 - 2019</a:t>
             </a:fld>
             <a:endParaRPr lang="en-US"/>
           </a:p>
@@ -19481,7 +19481,7 @@
           <a:p>
             <a:fld id="{4D8526AC-95C7-45B7-ADD2-45B8704F3A37}" type="datetime1">
               <a:rPr lang="en-US" smtClean="0"/>
-              <a:t>16 - 04 - 2019</a:t>
+              <a:t>18 - 04 - 2019</a:t>
             </a:fld>
             <a:endParaRPr lang="en-US"/>
           </a:p>
@@ -19571,7 +19571,7 @@
           <a:p>
             <a:fld id="{B756A492-A397-46EB-AA86-F02B53E04786}" type="datetime1">
               <a:rPr lang="en-US" smtClean="0"/>
-              <a:t>16 - 04 - 2019</a:t>
+              <a:t>18 - 04 - 2019</a:t>
             </a:fld>
             <a:endParaRPr lang="en-US"/>
           </a:p>
@@ -20088,7 +20088,7 @@
           <a:p>
             <a:fld id="{4F647839-F903-4643-A762-E22BD53B416E}" type="datetime1">
               <a:rPr lang="en-US" smtClean="0"/>
-              <a:t>16 - 04 - 2019</a:t>
+              <a:t>18 - 04 - 2019</a:t>
             </a:fld>
             <a:endParaRPr lang="en-US"/>
           </a:p>
@@ -20599,7 +20599,7 @@
           <a:p>
             <a:fld id="{3A44ADF4-CE10-441C-88E8-FBACA3C94392}" type="datetime1">
               <a:rPr lang="en-US" smtClean="0"/>
-              <a:t>16 - 04 - 2019</a:t>
+              <a:t>18 - 04 - 2019</a:t>
             </a:fld>
             <a:endParaRPr lang="en-US"/>
           </a:p>
@@ -20844,7 +20844,7 @@
           <a:p>
             <a:fld id="{859F6309-0A18-4A1A-99F9-8481C7224915}" type="datetime1">
               <a:rPr lang="en-US" smtClean="0"/>
-              <a:t>16 - 04 - 2019</a:t>
+              <a:t>18 - 04 - 2019</a:t>
             </a:fld>
             <a:endParaRPr lang="en-US"/>
           </a:p>
@@ -22676,7 +22676,7 @@
           <p:cNvPr id="4" name="Rectangle 3">
             <a:extLst>
               <a:ext uri="{FF2B5EF4-FFF2-40B4-BE49-F238E27FC236}">
-                <a16:creationId xmlns="" xmlns:a16="http://schemas.microsoft.com/office/drawing/2014/main" id="{9BF65F1D-032E-4BC9-965B-AC131CD9699D}"/>
+                <a16:creationId xmlns:a16="http://schemas.microsoft.com/office/drawing/2014/main" xmlns="" id="{9BF65F1D-032E-4BC9-965B-AC131CD9699D}"/>
               </a:ext>
             </a:extLst>
           </p:cNvPr>
@@ -22874,7 +22874,7 @@
           <p:cNvPr id="4" name="Rectangle 3">
             <a:extLst>
               <a:ext uri="{FF2B5EF4-FFF2-40B4-BE49-F238E27FC236}">
-                <a16:creationId xmlns="" xmlns:a16="http://schemas.microsoft.com/office/drawing/2014/main" id="{9BF65F1D-032E-4BC9-965B-AC131CD9699D}"/>
+                <a16:creationId xmlns:a16="http://schemas.microsoft.com/office/drawing/2014/main" xmlns="" id="{9BF65F1D-032E-4BC9-965B-AC131CD9699D}"/>
               </a:ext>
             </a:extLst>
           </p:cNvPr>
@@ -25132,7 +25132,7 @@
       </p:sp>
       <p:pic>
         <p:nvPicPr>
-          <p:cNvPr id="1027" name="Picture 3" descr="C:\Users\Sony Vaio\Desktop\manga.png"/>
+          <p:cNvPr id="1026" name="Picture 2" descr="C:\Users\Sony Vaio\Desktop\manga.png"/>
           <p:cNvPicPr>
             <a:picLocks noGrp="1" noChangeAspect="1" noChangeArrowheads="1"/>
           </p:cNvPicPr>
@@ -25155,8 +25155,8 @@
         </p:blipFill>
         <p:spPr bwMode="auto">
           <a:xfrm>
-            <a:off x="762000" y="1257300"/>
-            <a:ext cx="6934200" cy="4457700"/>
+            <a:off x="609600" y="1257300"/>
+            <a:ext cx="5410200" cy="4298641"/>
           </a:xfrm>
           <a:prstGeom prst="rect">
             <a:avLst/>

--- a/document/final_project.pptx
+++ b/document/final_project.pptx
@@ -3348,25 +3348,25 @@
     </dgm:pt>
   </dgm:ptLst>
   <dgm:cxnLst>
+    <dgm:cxn modelId="{1FDBE864-539D-408E-85E3-1A02F3608F1C}" srcId="{BF70A2BC-F55C-4C5C-95B7-DC5329E673A7}" destId="{736E50BE-5DBE-4B69-BB71-5F8987BFA341}" srcOrd="1" destOrd="0" parTransId="{3B4F6EE4-EC5C-42AC-8CBF-32D92376F0BF}" sibTransId="{254AF9A3-BDC6-46B7-8A17-B020012CE1D9}"/>
+    <dgm:cxn modelId="{611282F5-C145-40D4-B62A-C4BC7785D60B}" srcId="{BF70A2BC-F55C-4C5C-95B7-DC5329E673A7}" destId="{EE7B76D8-5A04-4610-99F6-794C3E59E208}" srcOrd="0" destOrd="0" parTransId="{7E48AAC2-D084-4E2E-92D2-597BBE075778}" sibTransId="{D175A62C-A264-4276-921B-FDDD5ECF06E0}"/>
+    <dgm:cxn modelId="{C8CA4020-75E3-4D9B-B37A-62CF1A0C4F5C}" type="presOf" srcId="{6EDED262-2059-44C0-BDC3-E8A562552D4A}" destId="{83425E95-6BB5-4ED0-8E47-2842AE508185}" srcOrd="1" destOrd="4" presId="urn:microsoft.com/office/officeart/2005/8/layout/vList4"/>
+    <dgm:cxn modelId="{1C094BB6-EF81-45AF-BA05-11FCC2EE5DDD}" type="presOf" srcId="{F5795272-2767-4B7B-B212-9E4DE40F1919}" destId="{83425E95-6BB5-4ED0-8E47-2842AE508185}" srcOrd="1" destOrd="3" presId="urn:microsoft.com/office/officeart/2005/8/layout/vList4"/>
+    <dgm:cxn modelId="{91D48274-C49D-474A-A3F4-F02B29E13019}" type="presOf" srcId="{BF70A2BC-F55C-4C5C-95B7-DC5329E673A7}" destId="{0B906849-CFF8-4E78-BA96-568A3E6D2C53}" srcOrd="0" destOrd="0" presId="urn:microsoft.com/office/officeart/2005/8/layout/vList4"/>
+    <dgm:cxn modelId="{87FE3007-F02A-4C01-B3B5-E9BF4D846AA4}" type="presOf" srcId="{BF70A2BC-F55C-4C5C-95B7-DC5329E673A7}" destId="{83425E95-6BB5-4ED0-8E47-2842AE508185}" srcOrd="1" destOrd="0" presId="urn:microsoft.com/office/officeart/2005/8/layout/vList4"/>
+    <dgm:cxn modelId="{557A9957-A3B3-4C44-851D-ED52A8F08FEA}" srcId="{BF70A2BC-F55C-4C5C-95B7-DC5329E673A7}" destId="{98EFCF74-7924-412A-8CEE-C5C0D45AD7EF}" srcOrd="4" destOrd="0" parTransId="{10246765-7A4B-40D5-87EF-258886DF4828}" sibTransId="{0F1DF7B5-6BE4-444C-A221-A8EADC672320}"/>
+    <dgm:cxn modelId="{88D54E45-8497-46CC-94E2-AA6928FF62F7}" srcId="{BF70A2BC-F55C-4C5C-95B7-DC5329E673A7}" destId="{6EDED262-2059-44C0-BDC3-E8A562552D4A}" srcOrd="3" destOrd="0" parTransId="{36497893-9948-466F-8251-4CB6C0746282}" sibTransId="{0199D02C-D2EB-42E6-A24A-8D59E41972D6}"/>
+    <dgm:cxn modelId="{6C2D4AFE-CA01-4171-B49A-766B98C20435}" type="presOf" srcId="{EE7B76D8-5A04-4610-99F6-794C3E59E208}" destId="{0B906849-CFF8-4E78-BA96-568A3E6D2C53}" srcOrd="0" destOrd="1" presId="urn:microsoft.com/office/officeart/2005/8/layout/vList4"/>
+    <dgm:cxn modelId="{8B7C893A-95E3-4D5A-9895-C79BAC216C7A}" srcId="{BF70A2BC-F55C-4C5C-95B7-DC5329E673A7}" destId="{F5795272-2767-4B7B-B212-9E4DE40F1919}" srcOrd="2" destOrd="0" parTransId="{359EF25B-C331-41DC-A30E-B5669E0B0D9E}" sibTransId="{1E8F3A51-16AC-4E69-924F-7BF286468B6E}"/>
+    <dgm:cxn modelId="{6BA80430-A569-46DC-B608-B8179A2836FD}" type="presOf" srcId="{736E50BE-5DBE-4B69-BB71-5F8987BFA341}" destId="{0B906849-CFF8-4E78-BA96-568A3E6D2C53}" srcOrd="0" destOrd="2" presId="urn:microsoft.com/office/officeart/2005/8/layout/vList4"/>
+    <dgm:cxn modelId="{B65ED16C-B23A-4D25-8A03-96CC0D917A89}" srcId="{E02A8243-9315-404B-83BC-2ADD496085A6}" destId="{BF70A2BC-F55C-4C5C-95B7-DC5329E673A7}" srcOrd="0" destOrd="0" parTransId="{DCFA195B-0FF9-400D-8239-5FAF58DF5EB0}" sibTransId="{A85A0E71-91E1-4984-AB29-1282732BDCE6}"/>
+    <dgm:cxn modelId="{1EF8B61E-876B-45FD-967F-F850A9679371}" type="presOf" srcId="{98EFCF74-7924-412A-8CEE-C5C0D45AD7EF}" destId="{83425E95-6BB5-4ED0-8E47-2842AE508185}" srcOrd="1" destOrd="5" presId="urn:microsoft.com/office/officeart/2005/8/layout/vList4"/>
+    <dgm:cxn modelId="{B397A2C3-98E6-448F-B710-059498D25BAD}" type="presOf" srcId="{EE7B76D8-5A04-4610-99F6-794C3E59E208}" destId="{83425E95-6BB5-4ED0-8E47-2842AE508185}" srcOrd="1" destOrd="1" presId="urn:microsoft.com/office/officeart/2005/8/layout/vList4"/>
+    <dgm:cxn modelId="{68D061E4-E0EF-4E76-A836-7CF782A8ADB7}" type="presOf" srcId="{98EFCF74-7924-412A-8CEE-C5C0D45AD7EF}" destId="{0B906849-CFF8-4E78-BA96-568A3E6D2C53}" srcOrd="0" destOrd="5" presId="urn:microsoft.com/office/officeart/2005/8/layout/vList4"/>
+    <dgm:cxn modelId="{F2ED3A6A-6C08-4211-ACA2-D18458EDCB9B}" type="presOf" srcId="{E02A8243-9315-404B-83BC-2ADD496085A6}" destId="{AD2407BE-247E-47DD-A328-3C7E353C1415}" srcOrd="0" destOrd="0" presId="urn:microsoft.com/office/officeart/2005/8/layout/vList4"/>
+    <dgm:cxn modelId="{75B6E60F-1189-4265-991A-B9415EBAF333}" type="presOf" srcId="{736E50BE-5DBE-4B69-BB71-5F8987BFA341}" destId="{83425E95-6BB5-4ED0-8E47-2842AE508185}" srcOrd="1" destOrd="2" presId="urn:microsoft.com/office/officeart/2005/8/layout/vList4"/>
+    <dgm:cxn modelId="{AC8AD4D2-DFF7-48F1-90BB-DA6AF5AD6E3C}" type="presOf" srcId="{6EDED262-2059-44C0-BDC3-E8A562552D4A}" destId="{0B906849-CFF8-4E78-BA96-568A3E6D2C53}" srcOrd="0" destOrd="4" presId="urn:microsoft.com/office/officeart/2005/8/layout/vList4"/>
     <dgm:cxn modelId="{A307EB41-74F3-4A4A-950A-F49EE17784DF}" type="presOf" srcId="{F5795272-2767-4B7B-B212-9E4DE40F1919}" destId="{0B906849-CFF8-4E78-BA96-568A3E6D2C53}" srcOrd="0" destOrd="3" presId="urn:microsoft.com/office/officeart/2005/8/layout/vList4"/>
-    <dgm:cxn modelId="{1EF8B61E-876B-45FD-967F-F850A9679371}" type="presOf" srcId="{98EFCF74-7924-412A-8CEE-C5C0D45AD7EF}" destId="{83425E95-6BB5-4ED0-8E47-2842AE508185}" srcOrd="1" destOrd="5" presId="urn:microsoft.com/office/officeart/2005/8/layout/vList4"/>
-    <dgm:cxn modelId="{AC8AD4D2-DFF7-48F1-90BB-DA6AF5AD6E3C}" type="presOf" srcId="{6EDED262-2059-44C0-BDC3-E8A562552D4A}" destId="{0B906849-CFF8-4E78-BA96-568A3E6D2C53}" srcOrd="0" destOrd="4" presId="urn:microsoft.com/office/officeart/2005/8/layout/vList4"/>
-    <dgm:cxn modelId="{75B6E60F-1189-4265-991A-B9415EBAF333}" type="presOf" srcId="{736E50BE-5DBE-4B69-BB71-5F8987BFA341}" destId="{83425E95-6BB5-4ED0-8E47-2842AE508185}" srcOrd="1" destOrd="2" presId="urn:microsoft.com/office/officeart/2005/8/layout/vList4"/>
-    <dgm:cxn modelId="{68D061E4-E0EF-4E76-A836-7CF782A8ADB7}" type="presOf" srcId="{98EFCF74-7924-412A-8CEE-C5C0D45AD7EF}" destId="{0B906849-CFF8-4E78-BA96-568A3E6D2C53}" srcOrd="0" destOrd="5" presId="urn:microsoft.com/office/officeart/2005/8/layout/vList4"/>
-    <dgm:cxn modelId="{6BA80430-A569-46DC-B608-B8179A2836FD}" type="presOf" srcId="{736E50BE-5DBE-4B69-BB71-5F8987BFA341}" destId="{0B906849-CFF8-4E78-BA96-568A3E6D2C53}" srcOrd="0" destOrd="2" presId="urn:microsoft.com/office/officeart/2005/8/layout/vList4"/>
-    <dgm:cxn modelId="{87FE3007-F02A-4C01-B3B5-E9BF4D846AA4}" type="presOf" srcId="{BF70A2BC-F55C-4C5C-95B7-DC5329E673A7}" destId="{83425E95-6BB5-4ED0-8E47-2842AE508185}" srcOrd="1" destOrd="0" presId="urn:microsoft.com/office/officeart/2005/8/layout/vList4"/>
-    <dgm:cxn modelId="{1C094BB6-EF81-45AF-BA05-11FCC2EE5DDD}" type="presOf" srcId="{F5795272-2767-4B7B-B212-9E4DE40F1919}" destId="{83425E95-6BB5-4ED0-8E47-2842AE508185}" srcOrd="1" destOrd="3" presId="urn:microsoft.com/office/officeart/2005/8/layout/vList4"/>
-    <dgm:cxn modelId="{8B7C893A-95E3-4D5A-9895-C79BAC216C7A}" srcId="{BF70A2BC-F55C-4C5C-95B7-DC5329E673A7}" destId="{F5795272-2767-4B7B-B212-9E4DE40F1919}" srcOrd="2" destOrd="0" parTransId="{359EF25B-C331-41DC-A30E-B5669E0B0D9E}" sibTransId="{1E8F3A51-16AC-4E69-924F-7BF286468B6E}"/>
-    <dgm:cxn modelId="{6C2D4AFE-CA01-4171-B49A-766B98C20435}" type="presOf" srcId="{EE7B76D8-5A04-4610-99F6-794C3E59E208}" destId="{0B906849-CFF8-4E78-BA96-568A3E6D2C53}" srcOrd="0" destOrd="1" presId="urn:microsoft.com/office/officeart/2005/8/layout/vList4"/>
-    <dgm:cxn modelId="{C8CA4020-75E3-4D9B-B37A-62CF1A0C4F5C}" type="presOf" srcId="{6EDED262-2059-44C0-BDC3-E8A562552D4A}" destId="{83425E95-6BB5-4ED0-8E47-2842AE508185}" srcOrd="1" destOrd="4" presId="urn:microsoft.com/office/officeart/2005/8/layout/vList4"/>
-    <dgm:cxn modelId="{91D48274-C49D-474A-A3F4-F02B29E13019}" type="presOf" srcId="{BF70A2BC-F55C-4C5C-95B7-DC5329E673A7}" destId="{0B906849-CFF8-4E78-BA96-568A3E6D2C53}" srcOrd="0" destOrd="0" presId="urn:microsoft.com/office/officeart/2005/8/layout/vList4"/>
-    <dgm:cxn modelId="{F2ED3A6A-6C08-4211-ACA2-D18458EDCB9B}" type="presOf" srcId="{E02A8243-9315-404B-83BC-2ADD496085A6}" destId="{AD2407BE-247E-47DD-A328-3C7E353C1415}" srcOrd="0" destOrd="0" presId="urn:microsoft.com/office/officeart/2005/8/layout/vList4"/>
-    <dgm:cxn modelId="{1FDBE864-539D-408E-85E3-1A02F3608F1C}" srcId="{BF70A2BC-F55C-4C5C-95B7-DC5329E673A7}" destId="{736E50BE-5DBE-4B69-BB71-5F8987BFA341}" srcOrd="1" destOrd="0" parTransId="{3B4F6EE4-EC5C-42AC-8CBF-32D92376F0BF}" sibTransId="{254AF9A3-BDC6-46B7-8A17-B020012CE1D9}"/>
-    <dgm:cxn modelId="{B65ED16C-B23A-4D25-8A03-96CC0D917A89}" srcId="{E02A8243-9315-404B-83BC-2ADD496085A6}" destId="{BF70A2BC-F55C-4C5C-95B7-DC5329E673A7}" srcOrd="0" destOrd="0" parTransId="{DCFA195B-0FF9-400D-8239-5FAF58DF5EB0}" sibTransId="{A85A0E71-91E1-4984-AB29-1282732BDCE6}"/>
-    <dgm:cxn modelId="{611282F5-C145-40D4-B62A-C4BC7785D60B}" srcId="{BF70A2BC-F55C-4C5C-95B7-DC5329E673A7}" destId="{EE7B76D8-5A04-4610-99F6-794C3E59E208}" srcOrd="0" destOrd="0" parTransId="{7E48AAC2-D084-4E2E-92D2-597BBE075778}" sibTransId="{D175A62C-A264-4276-921B-FDDD5ECF06E0}"/>
-    <dgm:cxn modelId="{B397A2C3-98E6-448F-B710-059498D25BAD}" type="presOf" srcId="{EE7B76D8-5A04-4610-99F6-794C3E59E208}" destId="{83425E95-6BB5-4ED0-8E47-2842AE508185}" srcOrd="1" destOrd="1" presId="urn:microsoft.com/office/officeart/2005/8/layout/vList4"/>
-    <dgm:cxn modelId="{88D54E45-8497-46CC-94E2-AA6928FF62F7}" srcId="{BF70A2BC-F55C-4C5C-95B7-DC5329E673A7}" destId="{6EDED262-2059-44C0-BDC3-E8A562552D4A}" srcOrd="3" destOrd="0" parTransId="{36497893-9948-466F-8251-4CB6C0746282}" sibTransId="{0199D02C-D2EB-42E6-A24A-8D59E41972D6}"/>
-    <dgm:cxn modelId="{557A9957-A3B3-4C44-851D-ED52A8F08FEA}" srcId="{BF70A2BC-F55C-4C5C-95B7-DC5329E673A7}" destId="{98EFCF74-7924-412A-8CEE-C5C0D45AD7EF}" srcOrd="4" destOrd="0" parTransId="{10246765-7A4B-40D5-87EF-258886DF4828}" sibTransId="{0F1DF7B5-6BE4-444C-A221-A8EADC672320}"/>
     <dgm:cxn modelId="{61BFDC48-0F91-455D-9D3D-2E4183D1A2AC}" type="presParOf" srcId="{AD2407BE-247E-47DD-A328-3C7E353C1415}" destId="{A483763C-A1A2-4AC2-B0F2-F1CB7FCABC72}" srcOrd="0" destOrd="0" presId="urn:microsoft.com/office/officeart/2005/8/layout/vList4"/>
     <dgm:cxn modelId="{4B7CB803-0720-42C6-9E1D-A4907B6D5616}" type="presParOf" srcId="{A483763C-A1A2-4AC2-B0F2-F1CB7FCABC72}" destId="{0B906849-CFF8-4E78-BA96-568A3E6D2C53}" srcOrd="0" destOrd="0" presId="urn:microsoft.com/office/officeart/2005/8/layout/vList4"/>
     <dgm:cxn modelId="{310C31E8-1907-456D-9F03-3D350897D021}" type="presParOf" srcId="{A483763C-A1A2-4AC2-B0F2-F1CB7FCABC72}" destId="{685997F9-7933-4967-B61A-2621F57A5682}" srcOrd="1" destOrd="0" presId="urn:microsoft.com/office/officeart/2005/8/layout/vList4"/>
@@ -22676,7 +22676,7 @@
           <p:cNvPr id="4" name="Rectangle 3">
             <a:extLst>
               <a:ext uri="{FF2B5EF4-FFF2-40B4-BE49-F238E27FC236}">
-                <a16:creationId xmlns:a16="http://schemas.microsoft.com/office/drawing/2014/main" xmlns="" id="{9BF65F1D-032E-4BC9-965B-AC131CD9699D}"/>
+                <a16:creationId xmlns="" xmlns:a16="http://schemas.microsoft.com/office/drawing/2014/main" id="{9BF65F1D-032E-4BC9-965B-AC131CD9699D}"/>
               </a:ext>
             </a:extLst>
           </p:cNvPr>
@@ -22874,7 +22874,7 @@
           <p:cNvPr id="4" name="Rectangle 3">
             <a:extLst>
               <a:ext uri="{FF2B5EF4-FFF2-40B4-BE49-F238E27FC236}">
-                <a16:creationId xmlns:a16="http://schemas.microsoft.com/office/drawing/2014/main" xmlns="" id="{9BF65F1D-032E-4BC9-965B-AC131CD9699D}"/>
+                <a16:creationId xmlns="" xmlns:a16="http://schemas.microsoft.com/office/drawing/2014/main" id="{9BF65F1D-032E-4BC9-965B-AC131CD9699D}"/>
               </a:ext>
             </a:extLst>
           </p:cNvPr>
@@ -25132,7 +25132,7 @@
       </p:sp>
       <p:pic>
         <p:nvPicPr>
-          <p:cNvPr id="1026" name="Picture 2" descr="C:\Users\Sony Vaio\Desktop\manga.png"/>
+          <p:cNvPr id="4" name="Picture 2" descr="C:\Users\Sony Vaio\Desktop\manga.png"/>
           <p:cNvPicPr>
             <a:picLocks noGrp="1" noChangeAspect="1" noChangeArrowheads="1"/>
           </p:cNvPicPr>
@@ -25155,8 +25155,8 @@
         </p:blipFill>
         <p:spPr bwMode="auto">
           <a:xfrm>
-            <a:off x="609600" y="1257300"/>
-            <a:ext cx="5410200" cy="4298641"/>
+            <a:off x="457200" y="1333500"/>
+            <a:ext cx="6019800" cy="4250952"/>
           </a:xfrm>
           <a:prstGeom prst="rect">
             <a:avLst/>
